--- a/Job_Executor.pptx
+++ b/Job_Executor.pptx
@@ -129,15 +129,15 @@
 </file>
 
 <file path=ppt/diagrams/colors1.xml><?xml version="1.0" encoding="utf-8"?>
-<dgm:colorsDef xmlns:dgm="http://schemas.openxmlformats.org/drawingml/2006/diagram" xmlns:a="http://schemas.openxmlformats.org/drawingml/2006/main" uniqueId="urn:microsoft.com/office/officeart/2005/8/colors/accent1_2">
+<dgm:colorsDef xmlns:dgm="http://schemas.openxmlformats.org/drawingml/2006/diagram" xmlns:a="http://schemas.openxmlformats.org/drawingml/2006/main" uniqueId="urn:microsoft.com/office/officeart/2005/8/colors/accent3_2">
   <dgm:title val=""/>
   <dgm:desc val=""/>
   <dgm:catLst>
-    <dgm:cat type="accent1" pri="11200"/>
+    <dgm:cat type="accent3" pri="11200"/>
   </dgm:catLst>
   <dgm:styleLbl name="node0">
     <dgm:fillClrLst meth="repeat">
-      <a:schemeClr val="accent1"/>
+      <a:schemeClr val="accent3"/>
     </dgm:fillClrLst>
     <dgm:linClrLst meth="repeat">
       <a:schemeClr val="lt1"/>
@@ -147,21 +147,9 @@
     <dgm:txFillClrLst/>
     <dgm:txEffectClrLst/>
   </dgm:styleLbl>
-  <dgm:styleLbl name="alignNode1">
-    <dgm:fillClrLst meth="repeat">
-      <a:schemeClr val="accent1"/>
-    </dgm:fillClrLst>
-    <dgm:linClrLst meth="repeat">
-      <a:schemeClr val="accent1"/>
-    </dgm:linClrLst>
-    <dgm:effectClrLst/>
-    <dgm:txLinClrLst/>
-    <dgm:txFillClrLst/>
-    <dgm:txEffectClrLst/>
-  </dgm:styleLbl>
   <dgm:styleLbl name="node1">
     <dgm:fillClrLst meth="repeat">
-      <a:schemeClr val="accent1"/>
+      <a:schemeClr val="accent3"/>
     </dgm:fillClrLst>
     <dgm:linClrLst meth="repeat">
       <a:schemeClr val="lt1"/>
@@ -171,9 +159,21 @@
     <dgm:txFillClrLst/>
     <dgm:txEffectClrLst/>
   </dgm:styleLbl>
+  <dgm:styleLbl name="alignNode1">
+    <dgm:fillClrLst meth="repeat">
+      <a:schemeClr val="accent3"/>
+    </dgm:fillClrLst>
+    <dgm:linClrLst meth="repeat">
+      <a:schemeClr val="accent3"/>
+    </dgm:linClrLst>
+    <dgm:effectClrLst/>
+    <dgm:txLinClrLst/>
+    <dgm:txFillClrLst/>
+    <dgm:txEffectClrLst/>
+  </dgm:styleLbl>
   <dgm:styleLbl name="lnNode1">
     <dgm:fillClrLst meth="repeat">
-      <a:schemeClr val="accent1"/>
+      <a:schemeClr val="accent3"/>
     </dgm:fillClrLst>
     <dgm:linClrLst meth="repeat">
       <a:schemeClr val="lt1"/>
@@ -185,7 +185,7 @@
   </dgm:styleLbl>
   <dgm:styleLbl name="vennNode1">
     <dgm:fillClrLst meth="repeat">
-      <a:schemeClr val="accent1">
+      <a:schemeClr val="accent3">
         <a:alpha val="50000"/>
       </a:schemeClr>
     </dgm:fillClrLst>
@@ -199,7 +199,7 @@
   </dgm:styleLbl>
   <dgm:styleLbl name="node2">
     <dgm:fillClrLst meth="repeat">
-      <a:schemeClr val="accent1"/>
+      <a:schemeClr val="accent3"/>
     </dgm:fillClrLst>
     <dgm:linClrLst meth="repeat">
       <a:schemeClr val="lt1"/>
@@ -211,7 +211,7 @@
   </dgm:styleLbl>
   <dgm:styleLbl name="node3">
     <dgm:fillClrLst meth="repeat">
-      <a:schemeClr val="accent1"/>
+      <a:schemeClr val="accent3"/>
     </dgm:fillClrLst>
     <dgm:linClrLst meth="repeat">
       <a:schemeClr val="lt1"/>
@@ -223,7 +223,7 @@
   </dgm:styleLbl>
   <dgm:styleLbl name="node4">
     <dgm:fillClrLst meth="repeat">
-      <a:schemeClr val="accent1"/>
+      <a:schemeClr val="accent3"/>
     </dgm:fillClrLst>
     <dgm:linClrLst meth="repeat">
       <a:schemeClr val="lt1"/>
@@ -235,7 +235,7 @@
   </dgm:styleLbl>
   <dgm:styleLbl name="fgImgPlace1">
     <dgm:fillClrLst meth="repeat">
-      <a:schemeClr val="accent1">
+      <a:schemeClr val="accent3">
         <a:tint val="50000"/>
       </a:schemeClr>
     </dgm:fillClrLst>
@@ -251,7 +251,7 @@
   </dgm:styleLbl>
   <dgm:styleLbl name="alignImgPlace1">
     <dgm:fillClrLst meth="repeat">
-      <a:schemeClr val="accent1">
+      <a:schemeClr val="accent3">
         <a:tint val="50000"/>
       </a:schemeClr>
     </dgm:fillClrLst>
@@ -267,7 +267,7 @@
   </dgm:styleLbl>
   <dgm:styleLbl name="bgImgPlace1">
     <dgm:fillClrLst meth="repeat">
-      <a:schemeClr val="accent1">
+      <a:schemeClr val="accent3">
         <a:tint val="50000"/>
       </a:schemeClr>
     </dgm:fillClrLst>
@@ -283,12 +283,12 @@
   </dgm:styleLbl>
   <dgm:styleLbl name="sibTrans2D1">
     <dgm:fillClrLst meth="repeat">
-      <a:schemeClr val="accent1">
+      <a:schemeClr val="accent3">
         <a:tint val="60000"/>
       </a:schemeClr>
     </dgm:fillClrLst>
     <dgm:linClrLst meth="repeat">
-      <a:schemeClr val="accent1">
+      <a:schemeClr val="accent3">
         <a:tint val="60000"/>
       </a:schemeClr>
     </dgm:linClrLst>
@@ -299,12 +299,12 @@
   </dgm:styleLbl>
   <dgm:styleLbl name="fgSibTrans2D1">
     <dgm:fillClrLst meth="repeat">
-      <a:schemeClr val="accent1">
+      <a:schemeClr val="accent3">
         <a:tint val="60000"/>
       </a:schemeClr>
     </dgm:fillClrLst>
     <dgm:linClrLst meth="repeat">
-      <a:schemeClr val="accent1">
+      <a:schemeClr val="accent3">
         <a:tint val="60000"/>
       </a:schemeClr>
     </dgm:linClrLst>
@@ -315,12 +315,12 @@
   </dgm:styleLbl>
   <dgm:styleLbl name="bgSibTrans2D1">
     <dgm:fillClrLst meth="repeat">
-      <a:schemeClr val="accent1">
+      <a:schemeClr val="accent3">
         <a:tint val="60000"/>
       </a:schemeClr>
     </dgm:fillClrLst>
     <dgm:linClrLst meth="repeat">
-      <a:schemeClr val="accent1">
+      <a:schemeClr val="accent3">
         <a:tint val="60000"/>
       </a:schemeClr>
     </dgm:linClrLst>
@@ -331,10 +331,10 @@
   </dgm:styleLbl>
   <dgm:styleLbl name="sibTrans1D1">
     <dgm:fillClrLst meth="repeat">
-      <a:schemeClr val="accent1"/>
+      <a:schemeClr val="accent3"/>
     </dgm:fillClrLst>
     <dgm:linClrLst meth="repeat">
-      <a:schemeClr val="accent1"/>
+      <a:schemeClr val="accent3"/>
     </dgm:linClrLst>
     <dgm:effectClrLst/>
     <dgm:txLinClrLst/>
@@ -345,10 +345,10 @@
   </dgm:styleLbl>
   <dgm:styleLbl name="callout">
     <dgm:fillClrLst meth="repeat">
-      <a:schemeClr val="accent1"/>
+      <a:schemeClr val="accent3"/>
     </dgm:fillClrLst>
     <dgm:linClrLst meth="repeat">
-      <a:schemeClr val="accent1">
+      <a:schemeClr val="accent3">
         <a:tint val="50000"/>
       </a:schemeClr>
     </dgm:linClrLst>
@@ -361,7 +361,7 @@
   </dgm:styleLbl>
   <dgm:styleLbl name="asst0">
     <dgm:fillClrLst meth="repeat">
-      <a:schemeClr val="accent1"/>
+      <a:schemeClr val="accent3"/>
     </dgm:fillClrLst>
     <dgm:linClrLst meth="repeat">
       <a:schemeClr val="lt1"/>
@@ -373,7 +373,7 @@
   </dgm:styleLbl>
   <dgm:styleLbl name="asst1">
     <dgm:fillClrLst meth="repeat">
-      <a:schemeClr val="accent1"/>
+      <a:schemeClr val="accent3"/>
     </dgm:fillClrLst>
     <dgm:linClrLst meth="repeat">
       <a:schemeClr val="lt1"/>
@@ -385,7 +385,7 @@
   </dgm:styleLbl>
   <dgm:styleLbl name="asst2">
     <dgm:fillClrLst meth="repeat">
-      <a:schemeClr val="accent1"/>
+      <a:schemeClr val="accent3"/>
     </dgm:fillClrLst>
     <dgm:linClrLst meth="repeat">
       <a:schemeClr val="lt1"/>
@@ -397,7 +397,7 @@
   </dgm:styleLbl>
   <dgm:styleLbl name="asst3">
     <dgm:fillClrLst meth="repeat">
-      <a:schemeClr val="accent1"/>
+      <a:schemeClr val="accent3"/>
     </dgm:fillClrLst>
     <dgm:linClrLst meth="repeat">
       <a:schemeClr val="lt1"/>
@@ -409,7 +409,7 @@
   </dgm:styleLbl>
   <dgm:styleLbl name="asst4">
     <dgm:fillClrLst meth="repeat">
-      <a:schemeClr val="accent1"/>
+      <a:schemeClr val="accent3"/>
     </dgm:fillClrLst>
     <dgm:linClrLst meth="repeat">
       <a:schemeClr val="lt1"/>
@@ -421,12 +421,12 @@
   </dgm:styleLbl>
   <dgm:styleLbl name="parChTrans2D1">
     <dgm:fillClrLst meth="repeat">
-      <a:schemeClr val="accent1">
+      <a:schemeClr val="accent3">
         <a:tint val="60000"/>
       </a:schemeClr>
     </dgm:fillClrLst>
     <dgm:linClrLst meth="repeat">
-      <a:schemeClr val="accent1">
+      <a:schemeClr val="accent3">
         <a:tint val="60000"/>
       </a:schemeClr>
     </dgm:linClrLst>
@@ -439,10 +439,10 @@
   </dgm:styleLbl>
   <dgm:styleLbl name="parChTrans2D2">
     <dgm:fillClrLst meth="repeat">
-      <a:schemeClr val="accent1"/>
+      <a:schemeClr val="accent3"/>
     </dgm:fillClrLst>
     <dgm:linClrLst meth="repeat">
-      <a:schemeClr val="accent1"/>
+      <a:schemeClr val="accent3"/>
     </dgm:linClrLst>
     <dgm:effectClrLst/>
     <dgm:txLinClrLst/>
@@ -453,10 +453,10 @@
   </dgm:styleLbl>
   <dgm:styleLbl name="parChTrans2D3">
     <dgm:fillClrLst meth="repeat">
-      <a:schemeClr val="accent1"/>
+      <a:schemeClr val="accent3"/>
     </dgm:fillClrLst>
     <dgm:linClrLst meth="repeat">
-      <a:schemeClr val="accent1"/>
+      <a:schemeClr val="accent3"/>
     </dgm:linClrLst>
     <dgm:effectClrLst/>
     <dgm:txLinClrLst/>
@@ -467,10 +467,10 @@
   </dgm:styleLbl>
   <dgm:styleLbl name="parChTrans2D4">
     <dgm:fillClrLst meth="repeat">
-      <a:schemeClr val="accent1"/>
+      <a:schemeClr val="accent3"/>
     </dgm:fillClrLst>
     <dgm:linClrLst meth="repeat">
-      <a:schemeClr val="accent1"/>
+      <a:schemeClr val="accent3"/>
     </dgm:linClrLst>
     <dgm:effectClrLst/>
     <dgm:txLinClrLst/>
@@ -481,10 +481,10 @@
   </dgm:styleLbl>
   <dgm:styleLbl name="parChTrans1D1">
     <dgm:fillClrLst meth="repeat">
-      <a:schemeClr val="accent1"/>
+      <a:schemeClr val="accent3"/>
     </dgm:fillClrLst>
     <dgm:linClrLst meth="repeat">
-      <a:schemeClr val="accent1">
+      <a:schemeClr val="accent3">
         <a:shade val="60000"/>
       </a:schemeClr>
     </dgm:linClrLst>
@@ -497,10 +497,10 @@
   </dgm:styleLbl>
   <dgm:styleLbl name="parChTrans1D2">
     <dgm:fillClrLst meth="repeat">
-      <a:schemeClr val="accent1"/>
+      <a:schemeClr val="accent3"/>
     </dgm:fillClrLst>
     <dgm:linClrLst meth="repeat">
-      <a:schemeClr val="accent1">
+      <a:schemeClr val="accent3">
         <a:shade val="60000"/>
       </a:schemeClr>
     </dgm:linClrLst>
@@ -513,10 +513,10 @@
   </dgm:styleLbl>
   <dgm:styleLbl name="parChTrans1D3">
     <dgm:fillClrLst meth="repeat">
-      <a:schemeClr val="accent1"/>
+      <a:schemeClr val="accent3"/>
     </dgm:fillClrLst>
     <dgm:linClrLst meth="repeat">
-      <a:schemeClr val="accent1">
+      <a:schemeClr val="accent3">
         <a:shade val="80000"/>
       </a:schemeClr>
     </dgm:linClrLst>
@@ -529,10 +529,10 @@
   </dgm:styleLbl>
   <dgm:styleLbl name="parChTrans1D4">
     <dgm:fillClrLst meth="repeat">
-      <a:schemeClr val="accent1"/>
+      <a:schemeClr val="accent3"/>
     </dgm:fillClrLst>
     <dgm:linClrLst meth="repeat">
-      <a:schemeClr val="accent1">
+      <a:schemeClr val="accent3">
         <a:shade val="80000"/>
       </a:schemeClr>
     </dgm:linClrLst>
@@ -550,7 +550,7 @@
       </a:schemeClr>
     </dgm:fillClrLst>
     <dgm:linClrLst meth="repeat">
-      <a:schemeClr val="accent1"/>
+      <a:schemeClr val="accent3"/>
     </dgm:linClrLst>
     <dgm:effectClrLst/>
     <dgm:txLinClrLst/>
@@ -566,7 +566,7 @@
       </a:schemeClr>
     </dgm:fillClrLst>
     <dgm:linClrLst meth="repeat">
-      <a:schemeClr val="accent1"/>
+      <a:schemeClr val="accent3"/>
     </dgm:linClrLst>
     <dgm:effectClrLst/>
     <dgm:txLinClrLst/>
@@ -582,7 +582,7 @@
       </a:schemeClr>
     </dgm:fillClrLst>
     <dgm:linClrLst meth="repeat">
-      <a:schemeClr val="accent1"/>
+      <a:schemeClr val="accent3"/>
     </dgm:linClrLst>
     <dgm:effectClrLst/>
     <dgm:txLinClrLst/>
@@ -598,7 +598,7 @@
       </a:schemeClr>
     </dgm:fillClrLst>
     <dgm:linClrLst meth="repeat">
-      <a:schemeClr val="accent1"/>
+      <a:schemeClr val="accent3"/>
     </dgm:linClrLst>
     <dgm:effectClrLst/>
     <dgm:txLinClrLst/>
@@ -614,7 +614,7 @@
       </a:schemeClr>
     </dgm:fillClrLst>
     <dgm:linClrLst meth="repeat">
-      <a:schemeClr val="accent1"/>
+      <a:schemeClr val="accent3"/>
     </dgm:linClrLst>
     <dgm:effectClrLst/>
     <dgm:txLinClrLst/>
@@ -628,7 +628,7 @@
       <a:schemeClr val="lt1"/>
     </dgm:fillClrLst>
     <dgm:linClrLst meth="repeat">
-      <a:schemeClr val="accent1"/>
+      <a:schemeClr val="accent3"/>
     </dgm:linClrLst>
     <dgm:effectClrLst/>
     <dgm:txLinClrLst/>
@@ -642,7 +642,7 @@
       <a:schemeClr val="lt1"/>
     </dgm:fillClrLst>
     <dgm:linClrLst meth="repeat">
-      <a:schemeClr val="accent1"/>
+      <a:schemeClr val="accent3"/>
     </dgm:linClrLst>
     <dgm:effectClrLst/>
     <dgm:txLinClrLst/>
@@ -656,7 +656,7 @@
       <a:schemeClr val="lt1"/>
     </dgm:fillClrLst>
     <dgm:linClrLst meth="repeat">
-      <a:schemeClr val="accent1"/>
+      <a:schemeClr val="accent3"/>
     </dgm:linClrLst>
     <dgm:effectClrLst/>
     <dgm:txLinClrLst/>
@@ -667,13 +667,13 @@
   </dgm:styleLbl>
   <dgm:styleLbl name="fgAccFollowNode1">
     <dgm:fillClrLst meth="repeat">
-      <a:schemeClr val="accent1">
+      <a:schemeClr val="accent3">
         <a:alpha val="90000"/>
         <a:tint val="40000"/>
       </a:schemeClr>
     </dgm:fillClrLst>
     <dgm:linClrLst meth="repeat">
-      <a:schemeClr val="accent1">
+      <a:schemeClr val="accent3">
         <a:alpha val="90000"/>
         <a:tint val="40000"/>
       </a:schemeClr>
@@ -687,13 +687,13 @@
   </dgm:styleLbl>
   <dgm:styleLbl name="alignAccFollowNode1">
     <dgm:fillClrLst meth="repeat">
-      <a:schemeClr val="accent1">
+      <a:schemeClr val="accent3">
         <a:alpha val="90000"/>
         <a:tint val="40000"/>
       </a:schemeClr>
     </dgm:fillClrLst>
     <dgm:linClrLst meth="repeat">
-      <a:schemeClr val="accent1">
+      <a:schemeClr val="accent3">
         <a:alpha val="90000"/>
         <a:tint val="40000"/>
       </a:schemeClr>
@@ -707,13 +707,13 @@
   </dgm:styleLbl>
   <dgm:styleLbl name="bgAccFollowNode1">
     <dgm:fillClrLst meth="repeat">
-      <a:schemeClr val="accent1">
+      <a:schemeClr val="accent3">
         <a:alpha val="90000"/>
         <a:tint val="40000"/>
       </a:schemeClr>
     </dgm:fillClrLst>
     <dgm:linClrLst meth="repeat">
-      <a:schemeClr val="accent1">
+      <a:schemeClr val="accent3">
         <a:alpha val="90000"/>
         <a:tint val="40000"/>
       </a:schemeClr>
@@ -732,7 +732,7 @@
       </a:schemeClr>
     </dgm:fillClrLst>
     <dgm:linClrLst meth="repeat">
-      <a:schemeClr val="accent1"/>
+      <a:schemeClr val="accent3"/>
     </dgm:linClrLst>
     <dgm:effectClrLst/>
     <dgm:txLinClrLst/>
@@ -748,7 +748,7 @@
       </a:schemeClr>
     </dgm:fillClrLst>
     <dgm:linClrLst meth="repeat">
-      <a:schemeClr val="accent1"/>
+      <a:schemeClr val="accent3"/>
     </dgm:linClrLst>
     <dgm:effectClrLst/>
     <dgm:txLinClrLst/>
@@ -764,7 +764,7 @@
       </a:schemeClr>
     </dgm:fillClrLst>
     <dgm:linClrLst meth="repeat">
-      <a:schemeClr val="accent1"/>
+      <a:schemeClr val="accent3"/>
     </dgm:linClrLst>
     <dgm:effectClrLst/>
     <dgm:txLinClrLst/>
@@ -780,7 +780,7 @@
       </a:schemeClr>
     </dgm:fillClrLst>
     <dgm:linClrLst meth="repeat">
-      <a:schemeClr val="accent1"/>
+      <a:schemeClr val="accent3"/>
     </dgm:linClrLst>
     <dgm:effectClrLst/>
     <dgm:txLinClrLst/>
@@ -791,12 +791,12 @@
   </dgm:styleLbl>
   <dgm:styleLbl name="bgShp">
     <dgm:fillClrLst meth="repeat">
-      <a:schemeClr val="accent1">
+      <a:schemeClr val="accent3">
         <a:tint val="40000"/>
       </a:schemeClr>
     </dgm:fillClrLst>
     <dgm:linClrLst meth="repeat">
-      <a:schemeClr val="accent1"/>
+      <a:schemeClr val="accent3"/>
     </dgm:linClrLst>
     <dgm:effectClrLst/>
     <dgm:txLinClrLst/>
@@ -807,12 +807,12 @@
   </dgm:styleLbl>
   <dgm:styleLbl name="dkBgShp">
     <dgm:fillClrLst meth="repeat">
-      <a:schemeClr val="accent1">
+      <a:schemeClr val="accent3">
         <a:shade val="80000"/>
       </a:schemeClr>
     </dgm:fillClrLst>
     <dgm:linClrLst meth="repeat">
-      <a:schemeClr val="accent1"/>
+      <a:schemeClr val="accent3"/>
     </dgm:linClrLst>
     <dgm:effectClrLst/>
     <dgm:txLinClrLst/>
@@ -823,13 +823,13 @@
   </dgm:styleLbl>
   <dgm:styleLbl name="trBgShp">
     <dgm:fillClrLst meth="repeat">
-      <a:schemeClr val="accent1">
+      <a:schemeClr val="accent3">
         <a:tint val="50000"/>
         <a:alpha val="40000"/>
       </a:schemeClr>
     </dgm:fillClrLst>
     <dgm:linClrLst meth="repeat">
-      <a:schemeClr val="accent1"/>
+      <a:schemeClr val="accent3"/>
     </dgm:linClrLst>
     <dgm:effectClrLst/>
     <dgm:txLinClrLst/>
@@ -840,7 +840,7 @@
   </dgm:styleLbl>
   <dgm:styleLbl name="fgShp">
     <dgm:fillClrLst meth="repeat">
-      <a:schemeClr val="accent1">
+      <a:schemeClr val="accent3">
         <a:tint val="60000"/>
       </a:schemeClr>
     </dgm:fillClrLst>
@@ -2373,7 +2373,7 @@
 <dgm:dataModel xmlns:dgm="http://schemas.openxmlformats.org/drawingml/2006/diagram" xmlns:a="http://schemas.openxmlformats.org/drawingml/2006/main">
   <dgm:ptLst>
     <dgm:pt modelId="{0DD8915E-DC14-41D6-9BB5-F49E1C265163}" type="doc">
-      <dgm:prSet loTypeId="urn:microsoft.com/office/officeart/2016/7/layout/HorizontalActionList" loCatId="list" qsTypeId="urn:microsoft.com/office/officeart/2005/8/quickstyle/simple1" qsCatId="simple" csTypeId="urn:microsoft.com/office/officeart/2005/8/colors/accent1_2" csCatId="accent1" phldr="1"/>
+      <dgm:prSet loTypeId="urn:microsoft.com/office/officeart/2018/5/layout/CenteredIconLabelDescriptionList" loCatId="icon" qsTypeId="urn:microsoft.com/office/officeart/2005/8/quickstyle/simple1" qsCatId="simple" csTypeId="urn:microsoft.com/office/officeart/2005/8/colors/accent3_2" csCatId="accent3" phldr="1"/>
       <dgm:spPr/>
       <dgm:t>
         <a:bodyPr/>
@@ -2384,34 +2384,19 @@
       </dgm:t>
     </dgm:pt>
     <dgm:pt modelId="{8FE81FEC-2664-411F-AEB3-065F29F52751}">
-      <dgm:prSet custT="1"/>
+      <dgm:prSet/>
       <dgm:spPr/>
       <dgm:t>
         <a:bodyPr lIns="182880" tIns="182880" rIns="182880" bIns="182880"/>
         <a:lstStyle/>
         <a:p>
-          <a:pPr marL="0" lvl="0" indent="0" algn="l" defTabSz="666750" rtl="0">
+          <a:pPr>
             <a:lnSpc>
               <a:spcPct val="100000"/>
             </a:lnSpc>
-            <a:spcBef>
-              <a:spcPct val="0"/>
-            </a:spcBef>
-            <a:spcAft>
-              <a:spcPct val="35000"/>
-            </a:spcAft>
-            <a:buNone/>
           </a:pPr>
           <a:r>
-            <a:rPr lang="en-US" sz="1400" kern="1200" spc="50" baseline="0" dirty="0">
-              <a:solidFill>
-                <a:prstClr val="black">
-                  <a:hueOff val="0"/>
-                  <a:satOff val="0"/>
-                  <a:lumOff val="0"/>
-                  <a:alphaOff val="0"/>
-                </a:prstClr>
-              </a:solidFill>
+            <a:rPr lang="en-US" kern="1200" spc="50" baseline="0">
               <a:latin typeface="Tenorite"/>
               <a:ea typeface="+mn-ea"/>
               <a:cs typeface="+mn-cs"/>
@@ -2420,28 +2405,13 @@
           </a:r>
         </a:p>
         <a:p>
-          <a:pPr marL="0" lvl="0" indent="0" algn="l" defTabSz="666750" rtl="0">
+          <a:pPr>
             <a:lnSpc>
               <a:spcPct val="100000"/>
             </a:lnSpc>
-            <a:spcBef>
-              <a:spcPct val="0"/>
-            </a:spcBef>
-            <a:spcAft>
-              <a:spcPct val="35000"/>
-            </a:spcAft>
-            <a:buNone/>
           </a:pPr>
           <a:r>
-            <a:rPr lang="en-US" sz="1400" kern="1200" spc="50" baseline="0" dirty="0">
-              <a:solidFill>
-                <a:prstClr val="black">
-                  <a:hueOff val="0"/>
-                  <a:satOff val="0"/>
-                  <a:lumOff val="0"/>
-                  <a:alphaOff val="0"/>
-                </a:prstClr>
-              </a:solidFill>
+            <a:rPr lang="en-US" kern="1200" spc="50" baseline="0">
               <a:latin typeface="Tenorite"/>
               <a:ea typeface="+mn-ea"/>
               <a:cs typeface="+mn-cs"/>
@@ -2478,27 +2448,20 @@
       </dgm:t>
     </dgm:pt>
     <dgm:pt modelId="{73D947E0-108F-4D20-A71E-3CF329F97212}">
-      <dgm:prSet phldr="0" custT="1"/>
+      <dgm:prSet/>
       <dgm:spPr/>
       <dgm:t>
         <a:bodyPr/>
         <a:lstStyle/>
         <a:p>
-          <a:pPr marL="0" indent="0" algn="ctr" defTabSz="914400" rtl="0" eaLnBrk="1" latinLnBrk="0" hangingPunct="1">
+          <a:pPr>
             <a:lnSpc>
-              <a:spcPct val="90000"/>
+              <a:spcPct val="100000"/>
             </a:lnSpc>
-            <a:spcBef>
-              <a:spcPts val="1000"/>
-            </a:spcBef>
-            <a:buFont typeface="Arial" panose="020B0604020202020204" pitchFamily="34" charset="0"/>
-            <a:buNone/>
+            <a:defRPr b="1"/>
           </a:pPr>
           <a:r>
-            <a:rPr lang="en-US" sz="1600" kern="1200" spc="150" baseline="0" dirty="0">
-              <a:solidFill>
-                <a:schemeClr val="tx1"/>
-              </a:solidFill>
+            <a:rPr lang="en-US" kern="1200" spc="150" baseline="0">
               <a:latin typeface="+mj-lt"/>
               <a:ea typeface="+mj-ea"/>
               <a:cs typeface="+mj-cs"/>
@@ -2535,61 +2498,61 @@
       </dgm:t>
     </dgm:pt>
     <dgm:pt modelId="{30A490C8-22B4-4D68-875C-0F0DE2FF864D}">
-      <dgm:prSet phldr="0" custT="1"/>
+      <dgm:prSet/>
       <dgm:spPr/>
       <dgm:t>
         <a:bodyPr/>
         <a:lstStyle/>
         <a:p>
-          <a:pPr marL="0">
+          <a:pPr>
             <a:lnSpc>
               <a:spcPct val="100000"/>
             </a:lnSpc>
           </a:pPr>
           <a:r>
-            <a:rPr lang="en-US" sz="1400" spc="50" baseline="0" dirty="0">
+            <a:rPr lang="en-US" spc="50" baseline="0" dirty="0">
               <a:latin typeface="+mn-lt"/>
             </a:rPr>
             <a:t>Research</a:t>
           </a:r>
         </a:p>
         <a:p>
-          <a:pPr marL="0">
+          <a:pPr>
             <a:lnSpc>
               <a:spcPct val="100000"/>
             </a:lnSpc>
           </a:pPr>
           <a:r>
-            <a:rPr lang="en-US" sz="1400" spc="50" baseline="0" dirty="0">
+            <a:rPr lang="en-US" spc="50" baseline="0" dirty="0">
               <a:latin typeface="+mn-lt"/>
             </a:rPr>
             <a:t>Analyzing</a:t>
           </a:r>
         </a:p>
         <a:p>
-          <a:pPr marL="0">
+          <a:pPr>
             <a:lnSpc>
               <a:spcPct val="100000"/>
             </a:lnSpc>
           </a:pPr>
           <a:r>
-            <a:rPr lang="en-US" sz="1400" spc="50" baseline="0" dirty="0">
+            <a:rPr lang="en-US" spc="50" baseline="0" dirty="0">
               <a:latin typeface="+mn-lt"/>
             </a:rPr>
             <a:t>Designing</a:t>
           </a:r>
         </a:p>
         <a:p>
-          <a:pPr marL="0">
+          <a:pPr>
             <a:lnSpc>
               <a:spcPct val="100000"/>
             </a:lnSpc>
           </a:pPr>
           <a:r>
-            <a:rPr lang="en-IN" sz="1400" b="0" i="0" dirty="0"/>
+            <a:rPr lang="en-IN" b="0" i="0" dirty="0"/>
             <a:t>Architecture </a:t>
           </a:r>
-          <a:endParaRPr lang="en-US" sz="1400" spc="50" baseline="0" dirty="0">
+          <a:endParaRPr lang="en-US" spc="50" baseline="0" dirty="0">
             <a:latin typeface="+mn-lt"/>
           </a:endParaRPr>
         </a:p>
@@ -2622,18 +2585,20 @@
       </dgm:t>
     </dgm:pt>
     <dgm:pt modelId="{B1AFA1AF-0FF8-45B3-A6D0-0E255A2F637D}">
-      <dgm:prSet phldr="0" custT="1"/>
+      <dgm:prSet/>
       <dgm:spPr/>
       <dgm:t>
         <a:bodyPr/>
         <a:lstStyle/>
         <a:p>
-          <a:pPr marL="0"/>
+          <a:pPr>
+            <a:lnSpc>
+              <a:spcPct val="100000"/>
+            </a:lnSpc>
+            <a:defRPr b="1"/>
+          </a:pPr>
           <a:r>
-            <a:rPr lang="en-US" sz="1600" kern="1200" spc="150" baseline="0" dirty="0">
-              <a:solidFill>
-                <a:prstClr val="black"/>
-              </a:solidFill>
+            <a:rPr lang="en-US" kern="1200" spc="150" baseline="0">
               <a:latin typeface="Tenorite"/>
               <a:ea typeface="+mn-ea"/>
               <a:cs typeface="+mn-cs"/>
@@ -2670,58 +2635,58 @@
       </dgm:t>
     </dgm:pt>
     <dgm:pt modelId="{50418D2B-9486-42DE-AFDD-1D31420040FF}">
-      <dgm:prSet phldr="0" custT="1"/>
+      <dgm:prSet/>
       <dgm:spPr/>
       <dgm:t>
         <a:bodyPr/>
         <a:lstStyle/>
         <a:p>
-          <a:pPr marL="0">
+          <a:pPr>
             <a:lnSpc>
               <a:spcPct val="100000"/>
             </a:lnSpc>
           </a:pPr>
           <a:r>
-            <a:rPr lang="en-US" sz="1400" spc="50" baseline="0" dirty="0">
+            <a:rPr lang="en-US" spc="50" baseline="0" dirty="0">
               <a:latin typeface="+mn-lt"/>
             </a:rPr>
             <a:t>React JS</a:t>
           </a:r>
         </a:p>
         <a:p>
-          <a:pPr marL="0">
+          <a:pPr>
             <a:lnSpc>
               <a:spcPct val="100000"/>
             </a:lnSpc>
           </a:pPr>
           <a:r>
-            <a:rPr lang="en-US" sz="1400" spc="50" baseline="0" dirty="0">
+            <a:rPr lang="en-US" spc="50" baseline="0" dirty="0">
               <a:latin typeface="+mn-lt"/>
             </a:rPr>
             <a:t>Material UI</a:t>
           </a:r>
         </a:p>
         <a:p>
-          <a:pPr marL="0">
+          <a:pPr>
             <a:lnSpc>
               <a:spcPct val="100000"/>
             </a:lnSpc>
           </a:pPr>
           <a:r>
-            <a:rPr lang="en-US" sz="1400" spc="50" baseline="0" dirty="0">
+            <a:rPr lang="en-US" spc="50" baseline="0" dirty="0">
               <a:latin typeface="+mn-lt"/>
             </a:rPr>
             <a:t>Axios</a:t>
           </a:r>
         </a:p>
         <a:p>
-          <a:pPr marL="0">
+          <a:pPr>
             <a:lnSpc>
               <a:spcPct val="100000"/>
             </a:lnSpc>
           </a:pPr>
           <a:r>
-            <a:rPr lang="en-US" sz="1400" spc="50" baseline="0" dirty="0">
+            <a:rPr lang="en-US" spc="50" baseline="0" dirty="0">
               <a:latin typeface="+mn-lt"/>
             </a:rPr>
             <a:t>Visual Studio</a:t>
@@ -2756,29 +2721,20 @@
       </dgm:t>
     </dgm:pt>
     <dgm:pt modelId="{E9682B4F-0217-4B50-923E-C104AA24290F}">
-      <dgm:prSet phldr="0" custT="1"/>
+      <dgm:prSet/>
       <dgm:spPr/>
       <dgm:t>
         <a:bodyPr/>
         <a:lstStyle/>
         <a:p>
-          <a:pPr marL="0" lvl="0" indent="0" algn="ctr" defTabSz="889000">
+          <a:pPr>
             <a:lnSpc>
-              <a:spcPct val="90000"/>
+              <a:spcPct val="100000"/>
             </a:lnSpc>
-            <a:spcBef>
-              <a:spcPct val="0"/>
-            </a:spcBef>
-            <a:spcAft>
-              <a:spcPct val="35000"/>
-            </a:spcAft>
-            <a:buNone/>
+            <a:defRPr b="1"/>
           </a:pPr>
           <a:r>
-            <a:rPr lang="en-US" sz="1600" kern="1200" spc="150" baseline="0" dirty="0">
-              <a:solidFill>
-                <a:prstClr val="black"/>
-              </a:solidFill>
+            <a:rPr lang="en-US" kern="1200" spc="150" baseline="0">
               <a:latin typeface="Tenorite"/>
               <a:ea typeface="+mn-ea"/>
               <a:cs typeface="+mn-cs"/>
@@ -2815,34 +2771,19 @@
       </dgm:t>
     </dgm:pt>
     <dgm:pt modelId="{0EC0C300-11E4-45CF-8418-973585107209}">
-      <dgm:prSet phldr="0" custT="1"/>
+      <dgm:prSet/>
       <dgm:spPr/>
       <dgm:t>
         <a:bodyPr/>
         <a:lstStyle/>
         <a:p>
-          <a:pPr marL="0" lvl="0" indent="0" algn="l" defTabSz="666750">
+          <a:pPr>
             <a:lnSpc>
               <a:spcPct val="100000"/>
             </a:lnSpc>
-            <a:spcBef>
-              <a:spcPct val="0"/>
-            </a:spcBef>
-            <a:spcAft>
-              <a:spcPct val="35000"/>
-            </a:spcAft>
-            <a:buNone/>
           </a:pPr>
           <a:r>
-            <a:rPr lang="en-US" sz="1400" kern="1200" spc="50" baseline="0" dirty="0">
-              <a:solidFill>
-                <a:prstClr val="black">
-                  <a:hueOff val="0"/>
-                  <a:satOff val="0"/>
-                  <a:lumOff val="0"/>
-                  <a:alphaOff val="0"/>
-                </a:prstClr>
-              </a:solidFill>
+            <a:rPr lang="en-US" kern="1200" spc="50" baseline="0">
               <a:latin typeface="Tenorite"/>
               <a:ea typeface="+mn-ea"/>
               <a:cs typeface="+mn-cs"/>
@@ -2851,28 +2792,13 @@
           </a:r>
         </a:p>
         <a:p>
-          <a:pPr marL="0" lvl="0" indent="0" algn="l" defTabSz="666750">
+          <a:pPr>
             <a:lnSpc>
               <a:spcPct val="100000"/>
             </a:lnSpc>
-            <a:spcBef>
-              <a:spcPct val="0"/>
-            </a:spcBef>
-            <a:spcAft>
-              <a:spcPct val="35000"/>
-            </a:spcAft>
-            <a:buNone/>
           </a:pPr>
           <a:r>
-            <a:rPr lang="en-US" sz="1400" kern="1200" spc="50" baseline="0" dirty="0">
-              <a:solidFill>
-                <a:prstClr val="black">
-                  <a:hueOff val="0"/>
-                  <a:satOff val="0"/>
-                  <a:lumOff val="0"/>
-                  <a:alphaOff val="0"/>
-                </a:prstClr>
-              </a:solidFill>
+            <a:rPr lang="en-US" kern="1200" spc="50" baseline="0">
               <a:latin typeface="Tenorite"/>
               <a:ea typeface="+mn-ea"/>
               <a:cs typeface="+mn-cs"/>
@@ -2881,28 +2807,13 @@
           </a:r>
         </a:p>
         <a:p>
-          <a:pPr marL="0" lvl="0" indent="0" algn="l" defTabSz="666750">
+          <a:pPr>
             <a:lnSpc>
               <a:spcPct val="100000"/>
             </a:lnSpc>
-            <a:spcBef>
-              <a:spcPct val="0"/>
-            </a:spcBef>
-            <a:spcAft>
-              <a:spcPct val="35000"/>
-            </a:spcAft>
-            <a:buNone/>
           </a:pPr>
           <a:r>
-            <a:rPr lang="en-US" sz="1400" kern="1200" spc="50" baseline="0" dirty="0">
-              <a:solidFill>
-                <a:prstClr val="black">
-                  <a:hueOff val="0"/>
-                  <a:satOff val="0"/>
-                  <a:lumOff val="0"/>
-                  <a:alphaOff val="0"/>
-                </a:prstClr>
-              </a:solidFill>
+            <a:rPr lang="en-US" kern="1200" spc="50" baseline="0">
               <a:latin typeface="Tenorite"/>
               <a:ea typeface="+mn-ea"/>
               <a:cs typeface="+mn-cs"/>
@@ -2911,28 +2822,13 @@
           </a:r>
         </a:p>
         <a:p>
-          <a:pPr marL="0" lvl="0" indent="0" algn="l" defTabSz="666750">
+          <a:pPr>
             <a:lnSpc>
               <a:spcPct val="100000"/>
             </a:lnSpc>
-            <a:spcBef>
-              <a:spcPct val="0"/>
-            </a:spcBef>
-            <a:spcAft>
-              <a:spcPct val="35000"/>
-            </a:spcAft>
-            <a:buNone/>
           </a:pPr>
           <a:r>
-            <a:rPr lang="en-US" sz="1400" kern="1200" spc="50" baseline="0" dirty="0">
-              <a:solidFill>
-                <a:prstClr val="black">
-                  <a:hueOff val="0"/>
-                  <a:satOff val="0"/>
-                  <a:lumOff val="0"/>
-                  <a:alphaOff val="0"/>
-                </a:prstClr>
-              </a:solidFill>
+            <a:rPr lang="en-US" kern="1200" spc="50" baseline="0">
               <a:latin typeface="Tenorite"/>
               <a:ea typeface="+mn-ea"/>
               <a:cs typeface="+mn-cs"/>
@@ -2969,34 +2865,19 @@
       </dgm:t>
     </dgm:pt>
     <dgm:pt modelId="{FEB4A941-E9FA-4A86-A673-85FF34B35F20}">
-      <dgm:prSet phldr="0" custT="1"/>
+      <dgm:prSet/>
       <dgm:spPr/>
       <dgm:t>
         <a:bodyPr/>
         <a:lstStyle/>
         <a:p>
-          <a:pPr marL="0" lvl="0" indent="0" algn="l" defTabSz="666750" rtl="0">
+          <a:pPr>
             <a:lnSpc>
               <a:spcPct val="100000"/>
             </a:lnSpc>
-            <a:spcBef>
-              <a:spcPct val="0"/>
-            </a:spcBef>
-            <a:spcAft>
-              <a:spcPct val="35000"/>
-            </a:spcAft>
-            <a:buNone/>
           </a:pPr>
           <a:r>
-            <a:rPr lang="en-US" sz="1400" kern="1200" spc="50" baseline="0" dirty="0">
-              <a:solidFill>
-                <a:prstClr val="black">
-                  <a:hueOff val="0"/>
-                  <a:satOff val="0"/>
-                  <a:lumOff val="0"/>
-                  <a:alphaOff val="0"/>
-                </a:prstClr>
-              </a:solidFill>
+            <a:rPr lang="en-US" kern="1200" spc="50" baseline="0">
               <a:latin typeface="Tenorite"/>
               <a:ea typeface="+mn-ea"/>
               <a:cs typeface="+mn-cs"/>
@@ -3005,28 +2886,13 @@
           </a:r>
         </a:p>
         <a:p>
-          <a:pPr marL="0" lvl="0" indent="0" algn="l" defTabSz="666750" rtl="0">
+          <a:pPr>
             <a:lnSpc>
               <a:spcPct val="100000"/>
             </a:lnSpc>
-            <a:spcBef>
-              <a:spcPct val="0"/>
-            </a:spcBef>
-            <a:spcAft>
-              <a:spcPct val="35000"/>
-            </a:spcAft>
-            <a:buNone/>
           </a:pPr>
           <a:r>
-            <a:rPr lang="en-US" sz="1400" kern="1200" spc="50" baseline="0" dirty="0">
-              <a:solidFill>
-                <a:prstClr val="black">
-                  <a:hueOff val="0"/>
-                  <a:satOff val="0"/>
-                  <a:lumOff val="0"/>
-                  <a:alphaOff val="0"/>
-                </a:prstClr>
-              </a:solidFill>
+            <a:rPr lang="en-US" kern="1200" spc="50" baseline="0">
               <a:latin typeface="Tenorite"/>
               <a:ea typeface="+mn-ea"/>
               <a:cs typeface="+mn-cs"/>
@@ -3035,28 +2901,13 @@
           </a:r>
         </a:p>
         <a:p>
-          <a:pPr marL="0" lvl="0" indent="0" algn="l" defTabSz="666750" rtl="0">
+          <a:pPr>
             <a:lnSpc>
               <a:spcPct val="100000"/>
             </a:lnSpc>
-            <a:spcBef>
-              <a:spcPct val="0"/>
-            </a:spcBef>
-            <a:spcAft>
-              <a:spcPct val="35000"/>
-            </a:spcAft>
-            <a:buNone/>
           </a:pPr>
           <a:r>
-            <a:rPr lang="en-US" sz="1400" kern="1200" spc="50" baseline="0" dirty="0">
-              <a:solidFill>
-                <a:prstClr val="black">
-                  <a:hueOff val="0"/>
-                  <a:satOff val="0"/>
-                  <a:lumOff val="0"/>
-                  <a:alphaOff val="0"/>
-                </a:prstClr>
-              </a:solidFill>
+            <a:rPr lang="en-US" kern="1200" spc="50" baseline="0">
               <a:latin typeface="Tenorite"/>
               <a:ea typeface="+mn-ea"/>
               <a:cs typeface="+mn-cs"/>
@@ -3093,29 +2944,20 @@
       </dgm:t>
     </dgm:pt>
     <dgm:pt modelId="{A2322D3A-7AC2-4C5C-9D7E-EAB2313D47D4}">
-      <dgm:prSet phldr="0" custT="1"/>
+      <dgm:prSet/>
       <dgm:spPr/>
       <dgm:t>
         <a:bodyPr/>
         <a:lstStyle/>
         <a:p>
-          <a:pPr marL="0" lvl="0" indent="0" algn="ctr" defTabSz="889000">
+          <a:pPr>
             <a:lnSpc>
-              <a:spcPct val="90000"/>
+              <a:spcPct val="100000"/>
             </a:lnSpc>
-            <a:spcBef>
-              <a:spcPct val="0"/>
-            </a:spcBef>
-            <a:spcAft>
-              <a:spcPct val="35000"/>
-            </a:spcAft>
-            <a:buNone/>
+            <a:defRPr b="1"/>
           </a:pPr>
           <a:r>
-            <a:rPr lang="en-US" sz="1600" kern="1200" spc="150" baseline="0" dirty="0">
-              <a:solidFill>
-                <a:prstClr val="black"/>
-              </a:solidFill>
+            <a:rPr lang="en-US" kern="1200" spc="150" baseline="0">
               <a:latin typeface="Tenorite"/>
               <a:ea typeface="+mn-ea"/>
               <a:cs typeface="+mn-cs"/>
@@ -3152,18 +2994,20 @@
       </dgm:t>
     </dgm:pt>
     <dgm:pt modelId="{4F85505A-81B6-4FDA-A144-900B71DAD946}">
-      <dgm:prSet phldr="0" custT="1"/>
+      <dgm:prSet/>
       <dgm:spPr/>
       <dgm:t>
         <a:bodyPr/>
         <a:lstStyle/>
         <a:p>
-          <a:pPr marL="0"/>
+          <a:pPr>
+            <a:lnSpc>
+              <a:spcPct val="100000"/>
+            </a:lnSpc>
+            <a:defRPr b="1"/>
+          </a:pPr>
           <a:r>
-            <a:rPr lang="en-US" sz="1600" kern="1200" spc="150" baseline="0" dirty="0">
-              <a:solidFill>
-                <a:prstClr val="black"/>
-              </a:solidFill>
+            <a:rPr lang="en-US" kern="1200" spc="150" baseline="0">
               <a:latin typeface="Tenorite"/>
               <a:ea typeface="+mn-ea"/>
               <a:cs typeface="+mn-cs"/>
@@ -3171,20 +3015,14 @@
             <a:t>Database &amp;</a:t>
           </a:r>
           <a:br>
-            <a:rPr lang="en-US" sz="1600" kern="1200" spc="150" baseline="0" dirty="0">
-              <a:solidFill>
-                <a:prstClr val="black"/>
-              </a:solidFill>
+            <a:rPr lang="en-US" kern="1200" spc="150" baseline="0">
               <a:latin typeface="Tenorite"/>
               <a:ea typeface="+mn-ea"/>
               <a:cs typeface="+mn-cs"/>
             </a:rPr>
           </a:br>
           <a:r>
-            <a:rPr lang="en-US" sz="1600" kern="1200" spc="150" baseline="0" dirty="0">
-              <a:solidFill>
-                <a:prstClr val="black"/>
-              </a:solidFill>
+            <a:rPr lang="en-US" kern="1200" spc="150" baseline="0">
               <a:latin typeface="Tenorite"/>
               <a:ea typeface="+mn-ea"/>
               <a:cs typeface="+mn-cs"/>
@@ -3220,22 +3058,53 @@
         </a:p>
       </dgm:t>
     </dgm:pt>
-    <dgm:pt modelId="{E4B4F7C4-5024-45F0-9FD7-C5068A1AE6C4}" type="pres">
-      <dgm:prSet presAssocID="{0DD8915E-DC14-41D6-9BB5-F49E1C265163}" presName="Name0" presStyleCnt="0">
+    <dgm:pt modelId="{15E17190-E587-4922-8BE2-A5228162692F}" type="pres">
+      <dgm:prSet presAssocID="{0DD8915E-DC14-41D6-9BB5-F49E1C265163}" presName="root" presStyleCnt="0">
         <dgm:presLayoutVars>
           <dgm:dir/>
-          <dgm:animLvl val="lvl"/>
           <dgm:resizeHandles val="exact"/>
         </dgm:presLayoutVars>
       </dgm:prSet>
       <dgm:spPr/>
     </dgm:pt>
-    <dgm:pt modelId="{473E2436-1BC1-4A6C-8568-5C38418F52D1}" type="pres">
-      <dgm:prSet presAssocID="{73D947E0-108F-4D20-A71E-3CF329F97212}" presName="composite" presStyleCnt="0"/>
+    <dgm:pt modelId="{9C0044BC-AA07-4E96-A2C9-067131DC8C87}" type="pres">
+      <dgm:prSet presAssocID="{73D947E0-108F-4D20-A71E-3CF329F97212}" presName="compNode" presStyleCnt="0"/>
       <dgm:spPr/>
     </dgm:pt>
-    <dgm:pt modelId="{BDBD7220-3F85-45D2-BED6-5BBFBC23EAE3}" type="pres">
-      <dgm:prSet presAssocID="{73D947E0-108F-4D20-A71E-3CF329F97212}" presName="parTx" presStyleLbl="alignNode1" presStyleIdx="0" presStyleCnt="5">
+    <dgm:pt modelId="{AB511D5B-B4FE-4D73-9913-4CD8AAF0E3AC}" type="pres">
+      <dgm:prSet presAssocID="{73D947E0-108F-4D20-A71E-3CF329F97212}" presName="iconRect" presStyleLbl="node1" presStyleIdx="0" presStyleCnt="5"/>
+      <dgm:spPr>
+        <a:blipFill>
+          <a:blip xmlns:r="http://schemas.openxmlformats.org/officeDocument/2006/relationships" r:embed="rId1">
+            <a:extLst>
+              <a:ext uri="{28A0092B-C50C-407E-A947-70E740481C1C}">
+                <a14:useLocalDpi xmlns:a14="http://schemas.microsoft.com/office/drawing/2010/main" val="0"/>
+              </a:ext>
+              <a:ext uri="{96DAC541-7B7A-43D3-8B79-37D633B846F1}">
+                <asvg:svgBlip xmlns:asvg="http://schemas.microsoft.com/office/drawing/2016/SVG/main" r:embed="rId2"/>
+              </a:ext>
+            </a:extLst>
+          </a:blip>
+          <a:stretch>
+            <a:fillRect/>
+          </a:stretch>
+        </a:blipFill>
+        <a:ln>
+          <a:noFill/>
+        </a:ln>
+      </dgm:spPr>
+      <dgm:extLst>
+        <a:ext uri="{E40237B7-FDA0-4F09-8148-C483321AD2D9}">
+          <dgm14:cNvPr xmlns:dgm14="http://schemas.microsoft.com/office/drawing/2010/diagram" id="0" name="" descr="Head with Gears"/>
+        </a:ext>
+      </dgm:extLst>
+    </dgm:pt>
+    <dgm:pt modelId="{78BAE6FD-7044-4384-A56F-CE4692D3B4FE}" type="pres">
+      <dgm:prSet presAssocID="{73D947E0-108F-4D20-A71E-3CF329F97212}" presName="iconSpace" presStyleCnt="0"/>
+      <dgm:spPr/>
+    </dgm:pt>
+    <dgm:pt modelId="{48A74A13-4F44-41EC-B301-0F4578EDD2E4}" type="pres">
+      <dgm:prSet presAssocID="{73D947E0-108F-4D20-A71E-3CF329F97212}" presName="parTx" presStyleLbl="revTx" presStyleIdx="0" presStyleCnt="10">
         <dgm:presLayoutVars>
           <dgm:chMax val="0"/>
           <dgm:chPref val="0"/>
@@ -3243,22 +3112,58 @@
       </dgm:prSet>
       <dgm:spPr/>
     </dgm:pt>
-    <dgm:pt modelId="{22359DD7-1BFB-4900-BAE6-6084F2F57988}" type="pres">
-      <dgm:prSet presAssocID="{73D947E0-108F-4D20-A71E-3CF329F97212}" presName="desTx" presStyleLbl="alignAccFollowNode1" presStyleIdx="0" presStyleCnt="5">
+    <dgm:pt modelId="{621BE1F2-4845-43A1-8B52-AE21B0649B9B}" type="pres">
+      <dgm:prSet presAssocID="{73D947E0-108F-4D20-A71E-3CF329F97212}" presName="txSpace" presStyleCnt="0"/>
+      <dgm:spPr/>
+    </dgm:pt>
+    <dgm:pt modelId="{EC1D9245-615F-47AF-AB3C-5A3B24FB98C9}" type="pres">
+      <dgm:prSet presAssocID="{73D947E0-108F-4D20-A71E-3CF329F97212}" presName="desTx" presStyleLbl="revTx" presStyleIdx="1" presStyleCnt="10">
         <dgm:presLayoutVars/>
       </dgm:prSet>
       <dgm:spPr/>
     </dgm:pt>
-    <dgm:pt modelId="{38C65349-0C40-499F-9765-B6F38C2DC3C3}" type="pres">
-      <dgm:prSet presAssocID="{AE813459-65AB-4FA9-B717-330DDA6DFA4E}" presName="space" presStyleCnt="0"/>
+    <dgm:pt modelId="{7FE57267-7125-4FE0-B63D-7FDF5A171A93}" type="pres">
+      <dgm:prSet presAssocID="{AE813459-65AB-4FA9-B717-330DDA6DFA4E}" presName="sibTrans" presStyleCnt="0"/>
       <dgm:spPr/>
     </dgm:pt>
-    <dgm:pt modelId="{C6650FDC-3601-45F5-9125-6E3F90A53F8A}" type="pres">
-      <dgm:prSet presAssocID="{B1AFA1AF-0FF8-45B3-A6D0-0E255A2F637D}" presName="composite" presStyleCnt="0"/>
+    <dgm:pt modelId="{7D56986D-7ADD-4952-8C3D-C7F7ABE7FEF2}" type="pres">
+      <dgm:prSet presAssocID="{B1AFA1AF-0FF8-45B3-A6D0-0E255A2F637D}" presName="compNode" presStyleCnt="0"/>
       <dgm:spPr/>
     </dgm:pt>
-    <dgm:pt modelId="{C4F84DEA-2002-4D32-8E80-70EEE05E345A}" type="pres">
-      <dgm:prSet presAssocID="{B1AFA1AF-0FF8-45B3-A6D0-0E255A2F637D}" presName="parTx" presStyleLbl="alignNode1" presStyleIdx="1" presStyleCnt="5">
+    <dgm:pt modelId="{B6A6E7CB-16FC-46A5-9C8A-F6CA6354A4E8}" type="pres">
+      <dgm:prSet presAssocID="{B1AFA1AF-0FF8-45B3-A6D0-0E255A2F637D}" presName="iconRect" presStyleLbl="node1" presStyleIdx="1" presStyleCnt="5"/>
+      <dgm:spPr>
+        <a:blipFill>
+          <a:blip xmlns:r="http://schemas.openxmlformats.org/officeDocument/2006/relationships" r:embed="rId3">
+            <a:extLst>
+              <a:ext uri="{28A0092B-C50C-407E-A947-70E740481C1C}">
+                <a14:useLocalDpi xmlns:a14="http://schemas.microsoft.com/office/drawing/2010/main" val="0"/>
+              </a:ext>
+              <a:ext uri="{96DAC541-7B7A-43D3-8B79-37D633B846F1}">
+                <asvg:svgBlip xmlns:asvg="http://schemas.microsoft.com/office/drawing/2016/SVG/main" r:embed="rId4"/>
+              </a:ext>
+            </a:extLst>
+          </a:blip>
+          <a:stretch>
+            <a:fillRect/>
+          </a:stretch>
+        </a:blipFill>
+        <a:ln>
+          <a:noFill/>
+        </a:ln>
+      </dgm:spPr>
+      <dgm:extLst>
+        <a:ext uri="{E40237B7-FDA0-4F09-8148-C483321AD2D9}">
+          <dgm14:cNvPr xmlns:dgm14="http://schemas.microsoft.com/office/drawing/2010/diagram" id="0" name="" descr="Checkmark"/>
+        </a:ext>
+      </dgm:extLst>
+    </dgm:pt>
+    <dgm:pt modelId="{C6F9AF4E-BC25-45F9-A69F-BCA500A23ECA}" type="pres">
+      <dgm:prSet presAssocID="{B1AFA1AF-0FF8-45B3-A6D0-0E255A2F637D}" presName="iconSpace" presStyleCnt="0"/>
+      <dgm:spPr/>
+    </dgm:pt>
+    <dgm:pt modelId="{99F72941-4540-4FB0-A90B-51D3BDB535F6}" type="pres">
+      <dgm:prSet presAssocID="{B1AFA1AF-0FF8-45B3-A6D0-0E255A2F637D}" presName="parTx" presStyleLbl="revTx" presStyleIdx="2" presStyleCnt="10">
         <dgm:presLayoutVars>
           <dgm:chMax val="0"/>
           <dgm:chPref val="0"/>
@@ -3266,22 +3171,58 @@
       </dgm:prSet>
       <dgm:spPr/>
     </dgm:pt>
-    <dgm:pt modelId="{4FEB85EB-D046-4CDB-8A62-BBCE260C4490}" type="pres">
-      <dgm:prSet presAssocID="{B1AFA1AF-0FF8-45B3-A6D0-0E255A2F637D}" presName="desTx" presStyleLbl="alignAccFollowNode1" presStyleIdx="1" presStyleCnt="5">
+    <dgm:pt modelId="{20C0F8AA-6040-4482-9956-A5F6191D29D5}" type="pres">
+      <dgm:prSet presAssocID="{B1AFA1AF-0FF8-45B3-A6D0-0E255A2F637D}" presName="txSpace" presStyleCnt="0"/>
+      <dgm:spPr/>
+    </dgm:pt>
+    <dgm:pt modelId="{A3D7EBC2-9302-4A60-819F-D131EF244C6B}" type="pres">
+      <dgm:prSet presAssocID="{B1AFA1AF-0FF8-45B3-A6D0-0E255A2F637D}" presName="desTx" presStyleLbl="revTx" presStyleIdx="3" presStyleCnt="10">
         <dgm:presLayoutVars/>
       </dgm:prSet>
       <dgm:spPr/>
     </dgm:pt>
-    <dgm:pt modelId="{40F59683-723F-44D1-8379-95635EED1AA8}" type="pres">
-      <dgm:prSet presAssocID="{88649F7A-400B-4056-965D-C9AC0B3AD942}" presName="space" presStyleCnt="0"/>
+    <dgm:pt modelId="{2F92B8F4-E8E1-45AF-8BA8-6AA6C3672E97}" type="pres">
+      <dgm:prSet presAssocID="{88649F7A-400B-4056-965D-C9AC0B3AD942}" presName="sibTrans" presStyleCnt="0"/>
       <dgm:spPr/>
     </dgm:pt>
-    <dgm:pt modelId="{BB2E4F65-C461-40C3-BC82-6A29AA851F44}" type="pres">
-      <dgm:prSet presAssocID="{E9682B4F-0217-4B50-923E-C104AA24290F}" presName="composite" presStyleCnt="0"/>
+    <dgm:pt modelId="{12E259F5-17D0-4CCE-B42E-16BB80809646}" type="pres">
+      <dgm:prSet presAssocID="{E9682B4F-0217-4B50-923E-C104AA24290F}" presName="compNode" presStyleCnt="0"/>
       <dgm:spPr/>
     </dgm:pt>
-    <dgm:pt modelId="{49B7F8FA-D256-41EF-9327-52A3551D9A60}" type="pres">
-      <dgm:prSet presAssocID="{E9682B4F-0217-4B50-923E-C104AA24290F}" presName="parTx" presStyleLbl="alignNode1" presStyleIdx="2" presStyleCnt="5">
+    <dgm:pt modelId="{23885CA0-B136-4E52-93D8-C35BED8EE75B}" type="pres">
+      <dgm:prSet presAssocID="{E9682B4F-0217-4B50-923E-C104AA24290F}" presName="iconRect" presStyleLbl="node1" presStyleIdx="2" presStyleCnt="5"/>
+      <dgm:spPr>
+        <a:blipFill>
+          <a:blip xmlns:r="http://schemas.openxmlformats.org/officeDocument/2006/relationships" r:embed="rId5">
+            <a:extLst>
+              <a:ext uri="{28A0092B-C50C-407E-A947-70E740481C1C}">
+                <a14:useLocalDpi xmlns:a14="http://schemas.microsoft.com/office/drawing/2010/main" val="0"/>
+              </a:ext>
+              <a:ext uri="{96DAC541-7B7A-43D3-8B79-37D633B846F1}">
+                <asvg:svgBlip xmlns:asvg="http://schemas.microsoft.com/office/drawing/2016/SVG/main" r:embed="rId6"/>
+              </a:ext>
+            </a:extLst>
+          </a:blip>
+          <a:stretch>
+            <a:fillRect/>
+          </a:stretch>
+        </a:blipFill>
+        <a:ln>
+          <a:noFill/>
+        </a:ln>
+      </dgm:spPr>
+      <dgm:extLst>
+        <a:ext uri="{E40237B7-FDA0-4F09-8148-C483321AD2D9}">
+          <dgm14:cNvPr xmlns:dgm14="http://schemas.microsoft.com/office/drawing/2010/diagram" id="0" name="" descr="Laptop"/>
+        </a:ext>
+      </dgm:extLst>
+    </dgm:pt>
+    <dgm:pt modelId="{E54E24F8-E2A8-47F3-BAC4-924DEECD4625}" type="pres">
+      <dgm:prSet presAssocID="{E9682B4F-0217-4B50-923E-C104AA24290F}" presName="iconSpace" presStyleCnt="0"/>
+      <dgm:spPr/>
+    </dgm:pt>
+    <dgm:pt modelId="{277F5F5C-3E82-495D-986B-2110225A5E32}" type="pres">
+      <dgm:prSet presAssocID="{E9682B4F-0217-4B50-923E-C104AA24290F}" presName="parTx" presStyleLbl="revTx" presStyleIdx="4" presStyleCnt="10">
         <dgm:presLayoutVars>
           <dgm:chMax val="0"/>
           <dgm:chPref val="0"/>
@@ -3289,22 +3230,58 @@
       </dgm:prSet>
       <dgm:spPr/>
     </dgm:pt>
-    <dgm:pt modelId="{6B5FE59C-B471-448A-AA7A-B526DCC4D4CA}" type="pres">
-      <dgm:prSet presAssocID="{E9682B4F-0217-4B50-923E-C104AA24290F}" presName="desTx" presStyleLbl="alignAccFollowNode1" presStyleIdx="2" presStyleCnt="5">
+    <dgm:pt modelId="{A5E45438-50B5-46B2-A9E5-255FECE8EE03}" type="pres">
+      <dgm:prSet presAssocID="{E9682B4F-0217-4B50-923E-C104AA24290F}" presName="txSpace" presStyleCnt="0"/>
+      <dgm:spPr/>
+    </dgm:pt>
+    <dgm:pt modelId="{7AFE8160-CB69-461E-AF1B-FCCE8366E57F}" type="pres">
+      <dgm:prSet presAssocID="{E9682B4F-0217-4B50-923E-C104AA24290F}" presName="desTx" presStyleLbl="revTx" presStyleIdx="5" presStyleCnt="10">
         <dgm:presLayoutVars/>
       </dgm:prSet>
       <dgm:spPr/>
     </dgm:pt>
-    <dgm:pt modelId="{A91542D9-4FB3-4302-AD03-3D6EF82E6748}" type="pres">
-      <dgm:prSet presAssocID="{B8632E42-D7EB-4C31-877E-6F1B2801851A}" presName="space" presStyleCnt="0"/>
+    <dgm:pt modelId="{8DDF05EF-4CA7-4FF8-B223-C13AA4373850}" type="pres">
+      <dgm:prSet presAssocID="{B8632E42-D7EB-4C31-877E-6F1B2801851A}" presName="sibTrans" presStyleCnt="0"/>
       <dgm:spPr/>
     </dgm:pt>
-    <dgm:pt modelId="{1A7C3045-2DAF-4A19-82DB-79436B2E4575}" type="pres">
-      <dgm:prSet presAssocID="{4F85505A-81B6-4FDA-A144-900B71DAD946}" presName="composite" presStyleCnt="0"/>
+    <dgm:pt modelId="{9042BBA0-DBD2-48EE-83E1-3967EDD0E0FA}" type="pres">
+      <dgm:prSet presAssocID="{4F85505A-81B6-4FDA-A144-900B71DAD946}" presName="compNode" presStyleCnt="0"/>
       <dgm:spPr/>
     </dgm:pt>
-    <dgm:pt modelId="{4132ECB1-6BEF-4935-AFA3-B2EAA48FDE7E}" type="pres">
-      <dgm:prSet presAssocID="{4F85505A-81B6-4FDA-A144-900B71DAD946}" presName="parTx" presStyleLbl="alignNode1" presStyleIdx="3" presStyleCnt="5">
+    <dgm:pt modelId="{640B7BE0-EE01-499B-A250-ECB688E7D43D}" type="pres">
+      <dgm:prSet presAssocID="{4F85505A-81B6-4FDA-A144-900B71DAD946}" presName="iconRect" presStyleLbl="node1" presStyleIdx="3" presStyleCnt="5"/>
+      <dgm:spPr>
+        <a:blipFill>
+          <a:blip xmlns:r="http://schemas.openxmlformats.org/officeDocument/2006/relationships" r:embed="rId7">
+            <a:extLst>
+              <a:ext uri="{28A0092B-C50C-407E-A947-70E740481C1C}">
+                <a14:useLocalDpi xmlns:a14="http://schemas.microsoft.com/office/drawing/2010/main" val="0"/>
+              </a:ext>
+              <a:ext uri="{96DAC541-7B7A-43D3-8B79-37D633B846F1}">
+                <asvg:svgBlip xmlns:asvg="http://schemas.microsoft.com/office/drawing/2016/SVG/main" r:embed="rId8"/>
+              </a:ext>
+            </a:extLst>
+          </a:blip>
+          <a:stretch>
+            <a:fillRect/>
+          </a:stretch>
+        </a:blipFill>
+        <a:ln>
+          <a:noFill/>
+        </a:ln>
+      </dgm:spPr>
+      <dgm:extLst>
+        <a:ext uri="{E40237B7-FDA0-4F09-8148-C483321AD2D9}">
+          <dgm14:cNvPr xmlns:dgm14="http://schemas.microsoft.com/office/drawing/2010/diagram" id="0" name="" descr="Processor"/>
+        </a:ext>
+      </dgm:extLst>
+    </dgm:pt>
+    <dgm:pt modelId="{B1184A62-E16A-4597-9400-C1E2F6F7E7E1}" type="pres">
+      <dgm:prSet presAssocID="{4F85505A-81B6-4FDA-A144-900B71DAD946}" presName="iconSpace" presStyleCnt="0"/>
+      <dgm:spPr/>
+    </dgm:pt>
+    <dgm:pt modelId="{1A4BB37F-F723-416A-BED4-52518DFBEB91}" type="pres">
+      <dgm:prSet presAssocID="{4F85505A-81B6-4FDA-A144-900B71DAD946}" presName="parTx" presStyleLbl="revTx" presStyleIdx="6" presStyleCnt="10">
         <dgm:presLayoutVars>
           <dgm:chMax val="0"/>
           <dgm:chPref val="0"/>
@@ -3312,22 +3289,58 @@
       </dgm:prSet>
       <dgm:spPr/>
     </dgm:pt>
-    <dgm:pt modelId="{C42A8BDE-B838-475D-AFDE-17B60D744AB6}" type="pres">
-      <dgm:prSet presAssocID="{4F85505A-81B6-4FDA-A144-900B71DAD946}" presName="desTx" presStyleLbl="alignAccFollowNode1" presStyleIdx="3" presStyleCnt="5">
+    <dgm:pt modelId="{706AF4BC-D568-47C6-B721-F85E1AEE5EE3}" type="pres">
+      <dgm:prSet presAssocID="{4F85505A-81B6-4FDA-A144-900B71DAD946}" presName="txSpace" presStyleCnt="0"/>
+      <dgm:spPr/>
+    </dgm:pt>
+    <dgm:pt modelId="{CC7B441F-2EC0-49E2-8DB2-0CBCD6485990}" type="pres">
+      <dgm:prSet presAssocID="{4F85505A-81B6-4FDA-A144-900B71DAD946}" presName="desTx" presStyleLbl="revTx" presStyleIdx="7" presStyleCnt="10">
         <dgm:presLayoutVars/>
       </dgm:prSet>
       <dgm:spPr/>
     </dgm:pt>
-    <dgm:pt modelId="{D0DC94A3-770A-4810-A89A-7DB7918862F6}" type="pres">
-      <dgm:prSet presAssocID="{68F74A88-49DC-44B1-BC0D-220A7B97601C}" presName="space" presStyleCnt="0"/>
+    <dgm:pt modelId="{52BF8B89-940C-45CF-A815-0B56D150B9D8}" type="pres">
+      <dgm:prSet presAssocID="{68F74A88-49DC-44B1-BC0D-220A7B97601C}" presName="sibTrans" presStyleCnt="0"/>
       <dgm:spPr/>
     </dgm:pt>
-    <dgm:pt modelId="{647B2244-AC3A-441A-A6FB-6136FA04F429}" type="pres">
-      <dgm:prSet presAssocID="{A2322D3A-7AC2-4C5C-9D7E-EAB2313D47D4}" presName="composite" presStyleCnt="0"/>
+    <dgm:pt modelId="{0813BF2D-73BB-45F4-A396-6D717DC7E448}" type="pres">
+      <dgm:prSet presAssocID="{A2322D3A-7AC2-4C5C-9D7E-EAB2313D47D4}" presName="compNode" presStyleCnt="0"/>
       <dgm:spPr/>
     </dgm:pt>
-    <dgm:pt modelId="{59606EB9-9F10-4D12-A33F-A242FDCC0D0F}" type="pres">
-      <dgm:prSet presAssocID="{A2322D3A-7AC2-4C5C-9D7E-EAB2313D47D4}" presName="parTx" presStyleLbl="alignNode1" presStyleIdx="4" presStyleCnt="5">
+    <dgm:pt modelId="{56C3CB3A-B26F-45E9-9D50-940089F630A1}" type="pres">
+      <dgm:prSet presAssocID="{A2322D3A-7AC2-4C5C-9D7E-EAB2313D47D4}" presName="iconRect" presStyleLbl="node1" presStyleIdx="4" presStyleCnt="5"/>
+      <dgm:spPr>
+        <a:blipFill>
+          <a:blip xmlns:r="http://schemas.openxmlformats.org/officeDocument/2006/relationships" r:embed="rId9">
+            <a:extLst>
+              <a:ext uri="{28A0092B-C50C-407E-A947-70E740481C1C}">
+                <a14:useLocalDpi xmlns:a14="http://schemas.microsoft.com/office/drawing/2010/main" val="0"/>
+              </a:ext>
+              <a:ext uri="{96DAC541-7B7A-43D3-8B79-37D633B846F1}">
+                <asvg:svgBlip xmlns:asvg="http://schemas.microsoft.com/office/drawing/2016/SVG/main" r:embed="rId10"/>
+              </a:ext>
+            </a:extLst>
+          </a:blip>
+          <a:stretch>
+            <a:fillRect/>
+          </a:stretch>
+        </a:blipFill>
+        <a:ln>
+          <a:noFill/>
+        </a:ln>
+      </dgm:spPr>
+      <dgm:extLst>
+        <a:ext uri="{E40237B7-FDA0-4F09-8148-C483321AD2D9}">
+          <dgm14:cNvPr xmlns:dgm14="http://schemas.microsoft.com/office/drawing/2010/diagram" id="0" name="" descr="Database"/>
+        </a:ext>
+      </dgm:extLst>
+    </dgm:pt>
+    <dgm:pt modelId="{912BAA05-5AF6-4836-8A0B-510295878128}" type="pres">
+      <dgm:prSet presAssocID="{A2322D3A-7AC2-4C5C-9D7E-EAB2313D47D4}" presName="iconSpace" presStyleCnt="0"/>
+      <dgm:spPr/>
+    </dgm:pt>
+    <dgm:pt modelId="{C854882B-5AF1-48A4-A331-248A6CD9D753}" type="pres">
+      <dgm:prSet presAssocID="{A2322D3A-7AC2-4C5C-9D7E-EAB2313D47D4}" presName="parTx" presStyleLbl="revTx" presStyleIdx="8" presStyleCnt="10">
         <dgm:presLayoutVars>
           <dgm:chMax val="0"/>
           <dgm:chPref val="0"/>
@@ -3335,8 +3348,12 @@
       </dgm:prSet>
       <dgm:spPr/>
     </dgm:pt>
-    <dgm:pt modelId="{C8429E68-36DD-4F6A-A2F4-7CCDADCEFAD1}" type="pres">
-      <dgm:prSet presAssocID="{A2322D3A-7AC2-4C5C-9D7E-EAB2313D47D4}" presName="desTx" presStyleLbl="alignAccFollowNode1" presStyleIdx="4" presStyleCnt="5">
+    <dgm:pt modelId="{39880715-2397-41B6-8662-3E9FCD31644F}" type="pres">
+      <dgm:prSet presAssocID="{A2322D3A-7AC2-4C5C-9D7E-EAB2313D47D4}" presName="txSpace" presStyleCnt="0"/>
+      <dgm:spPr/>
+    </dgm:pt>
+    <dgm:pt modelId="{5E7F6219-0AD5-44DB-860D-2F1792B2CEDD}" type="pres">
+      <dgm:prSet presAssocID="{A2322D3A-7AC2-4C5C-9D7E-EAB2313D47D4}" presName="desTx" presStyleLbl="revTx" presStyleIdx="9" presStyleCnt="10">
         <dgm:presLayoutVars/>
       </dgm:prSet>
       <dgm:spPr/>
@@ -3344,45 +3361,60 @@
   </dgm:ptLst>
   <dgm:cxnLst>
     <dgm:cxn modelId="{F28D7702-2FC3-49BD-BB13-C989E5EE622A}" srcId="{0DD8915E-DC14-41D6-9BB5-F49E1C265163}" destId="{B1AFA1AF-0FF8-45B3-A6D0-0E255A2F637D}" srcOrd="1" destOrd="0" parTransId="{10C68AF5-481C-45AA-A216-8BBBB04515B9}" sibTransId="{88649F7A-400B-4056-965D-C9AC0B3AD942}"/>
-    <dgm:cxn modelId="{31826907-E438-4A1B-A800-F181C547104F}" type="presOf" srcId="{30A490C8-22B4-4D68-875C-0F0DE2FF864D}" destId="{22359DD7-1BFB-4900-BAE6-6084F2F57988}" srcOrd="0" destOrd="0" presId="urn:microsoft.com/office/officeart/2016/7/layout/HorizontalActionList"/>
     <dgm:cxn modelId="{A0077D09-C12C-46D0-8DF7-194B6911362A}" srcId="{0DD8915E-DC14-41D6-9BB5-F49E1C265163}" destId="{73D947E0-108F-4D20-A71E-3CF329F97212}" srcOrd="0" destOrd="0" parTransId="{9D249532-A24D-4D8F-848A-9F42F2E486C9}" sibTransId="{AE813459-65AB-4FA9-B717-330DDA6DFA4E}"/>
+    <dgm:cxn modelId="{2A45D911-2CC6-4467-9D7E-3B5E384E89EB}" type="presOf" srcId="{73D947E0-108F-4D20-A71E-3CF329F97212}" destId="{48A74A13-4F44-41EC-B301-0F4578EDD2E4}" srcOrd="0" destOrd="0" presId="urn:microsoft.com/office/officeart/2018/5/layout/CenteredIconLabelDescriptionList"/>
     <dgm:cxn modelId="{5A5BA622-5DEB-48B9-88D9-C1DE36C711E5}" srcId="{B1AFA1AF-0FF8-45B3-A6D0-0E255A2F637D}" destId="{50418D2B-9486-42DE-AFDD-1D31420040FF}" srcOrd="0" destOrd="0" parTransId="{D5A17F6B-93F5-442B-938A-0F38C281BE88}" sibTransId="{1D87A0A5-8024-4710-846B-D5BFAC785107}"/>
+    <dgm:cxn modelId="{62AF442B-5BFE-4CD8-8FF2-2C2E1CF2476E}" type="presOf" srcId="{A2322D3A-7AC2-4C5C-9D7E-EAB2313D47D4}" destId="{C854882B-5AF1-48A4-A331-248A6CD9D753}" srcOrd="0" destOrd="0" presId="urn:microsoft.com/office/officeart/2018/5/layout/CenteredIconLabelDescriptionList"/>
     <dgm:cxn modelId="{711E093C-AD42-45A4-8D40-A2D39702062E}" srcId="{A2322D3A-7AC2-4C5C-9D7E-EAB2313D47D4}" destId="{8FE81FEC-2664-411F-AEB3-065F29F52751}" srcOrd="0" destOrd="0" parTransId="{BCBC007E-0269-421B-9C41-DE26D5C3A822}" sibTransId="{80230EB7-7230-4881-A631-309C07417378}"/>
-    <dgm:cxn modelId="{77A55366-077C-403B-A9E1-B9C6B5CA3288}" type="presOf" srcId="{73D947E0-108F-4D20-A71E-3CF329F97212}" destId="{BDBD7220-3F85-45D2-BED6-5BBFBC23EAE3}" srcOrd="0" destOrd="0" presId="urn:microsoft.com/office/officeart/2016/7/layout/HorizontalActionList"/>
+    <dgm:cxn modelId="{E9396C5E-CCE6-4BFE-8A49-E771E37F952C}" type="presOf" srcId="{0EC0C300-11E4-45CF-8418-973585107209}" destId="{7AFE8160-CB69-461E-AF1B-FCCE8366E57F}" srcOrd="0" destOrd="0" presId="urn:microsoft.com/office/officeart/2018/5/layout/CenteredIconLabelDescriptionList"/>
+    <dgm:cxn modelId="{95206861-F14F-41B7-83D5-14711F673A80}" type="presOf" srcId="{B1AFA1AF-0FF8-45B3-A6D0-0E255A2F637D}" destId="{99F72941-4540-4FB0-A90B-51D3BDB535F6}" srcOrd="0" destOrd="0" presId="urn:microsoft.com/office/officeart/2018/5/layout/CenteredIconLabelDescriptionList"/>
     <dgm:cxn modelId="{F942F56C-9025-4AA1-9B36-C5AE0A93B0F5}" srcId="{4F85505A-81B6-4FDA-A144-900B71DAD946}" destId="{FEB4A941-E9FA-4A86-A673-85FF34B35F20}" srcOrd="0" destOrd="0" parTransId="{39522508-BC4E-4DD5-A744-AFEFFE36DB74}" sibTransId="{97624CC8-6315-4683-B26C-C30D552DA5A6}"/>
-    <dgm:cxn modelId="{B7F6ED6E-855A-4A7B-AE18-3BD04546002C}" type="presOf" srcId="{B1AFA1AF-0FF8-45B3-A6D0-0E255A2F637D}" destId="{C4F84DEA-2002-4D32-8E80-70EEE05E345A}" srcOrd="0" destOrd="0" presId="urn:microsoft.com/office/officeart/2016/7/layout/HorizontalActionList"/>
     <dgm:cxn modelId="{51563A4F-C0EB-47D6-B5BC-47A4E599AD4B}" srcId="{E9682B4F-0217-4B50-923E-C104AA24290F}" destId="{0EC0C300-11E4-45CF-8418-973585107209}" srcOrd="0" destOrd="0" parTransId="{1E4DD98E-100E-46B7-B24A-408BBF69E9FA}" sibTransId="{90FAB5D1-62B3-4FF6-A07D-EE607F529C32}"/>
-    <dgm:cxn modelId="{6291F24F-B536-4688-99BC-6A4CB5E15E15}" type="presOf" srcId="{4F85505A-81B6-4FDA-A144-900B71DAD946}" destId="{4132ECB1-6BEF-4935-AFA3-B2EAA48FDE7E}" srcOrd="0" destOrd="0" presId="urn:microsoft.com/office/officeart/2016/7/layout/HorizontalActionList"/>
     <dgm:cxn modelId="{2D633B56-E147-4EFC-B9EE-6C0413F329B0}" srcId="{0DD8915E-DC14-41D6-9BB5-F49E1C265163}" destId="{4F85505A-81B6-4FDA-A144-900B71DAD946}" srcOrd="3" destOrd="0" parTransId="{D9A96E25-7BBE-4DDD-8DDE-B4970D4340A8}" sibTransId="{68F74A88-49DC-44B1-BC0D-220A7B97601C}"/>
-    <dgm:cxn modelId="{110097B3-0B24-42EE-9C79-845C028B379B}" type="presOf" srcId="{E9682B4F-0217-4B50-923E-C104AA24290F}" destId="{49B7F8FA-D256-41EF-9327-52A3551D9A60}" srcOrd="0" destOrd="0" presId="urn:microsoft.com/office/officeart/2016/7/layout/HorizontalActionList"/>
-    <dgm:cxn modelId="{C54EA6C2-0E6B-42D8-9A4A-4456127A91A8}" type="presOf" srcId="{A2322D3A-7AC2-4C5C-9D7E-EAB2313D47D4}" destId="{59606EB9-9F10-4D12-A33F-A242FDCC0D0F}" srcOrd="0" destOrd="0" presId="urn:microsoft.com/office/officeart/2016/7/layout/HorizontalActionList"/>
-    <dgm:cxn modelId="{E339F9C8-AD35-4E33-9434-788C81500EB2}" type="presOf" srcId="{8FE81FEC-2664-411F-AEB3-065F29F52751}" destId="{C8429E68-36DD-4F6A-A2F4-7CCDADCEFAD1}" srcOrd="0" destOrd="0" presId="urn:microsoft.com/office/officeart/2016/7/layout/HorizontalActionList"/>
+    <dgm:cxn modelId="{40E69076-5472-4D3A-B98C-049B32D5FA3A}" type="presOf" srcId="{8FE81FEC-2664-411F-AEB3-065F29F52751}" destId="{5E7F6219-0AD5-44DB-860D-2F1792B2CEDD}" srcOrd="0" destOrd="0" presId="urn:microsoft.com/office/officeart/2018/5/layout/CenteredIconLabelDescriptionList"/>
+    <dgm:cxn modelId="{ECA0AD76-F78F-48D0-9029-3A06D07E4681}" type="presOf" srcId="{4F85505A-81B6-4FDA-A144-900B71DAD946}" destId="{1A4BB37F-F723-416A-BED4-52518DFBEB91}" srcOrd="0" destOrd="0" presId="urn:microsoft.com/office/officeart/2018/5/layout/CenteredIconLabelDescriptionList"/>
+    <dgm:cxn modelId="{8E12B088-CD74-412A-8E18-226F0131EBF7}" type="presOf" srcId="{50418D2B-9486-42DE-AFDD-1D31420040FF}" destId="{A3D7EBC2-9302-4A60-819F-D131EF244C6B}" srcOrd="0" destOrd="0" presId="urn:microsoft.com/office/officeart/2018/5/layout/CenteredIconLabelDescriptionList"/>
+    <dgm:cxn modelId="{01007991-440D-49D7-A48B-964034437C24}" type="presOf" srcId="{0DD8915E-DC14-41D6-9BB5-F49E1C265163}" destId="{15E17190-E587-4922-8BE2-A5228162692F}" srcOrd="0" destOrd="0" presId="urn:microsoft.com/office/officeart/2018/5/layout/CenteredIconLabelDescriptionList"/>
     <dgm:cxn modelId="{6C23D0C9-74B2-4C8B-AB2F-A03B3B0EBE56}" srcId="{0DD8915E-DC14-41D6-9BB5-F49E1C265163}" destId="{E9682B4F-0217-4B50-923E-C104AA24290F}" srcOrd="2" destOrd="0" parTransId="{E0F6C4AF-9BBB-4698-91D7-F9AE3EACBD5D}" sibTransId="{B8632E42-D7EB-4C31-877E-6F1B2801851A}"/>
     <dgm:cxn modelId="{381FE1CC-8184-4745-8EB3-6DE11655998D}" srcId="{73D947E0-108F-4D20-A71E-3CF329F97212}" destId="{30A490C8-22B4-4D68-875C-0F0DE2FF864D}" srcOrd="0" destOrd="0" parTransId="{035C64B0-4F0C-4FD1-BD23-B1D4C9887CBE}" sibTransId="{45495DA8-8707-41E3-A12B-FA5766269C44}"/>
     <dgm:cxn modelId="{179FAFCF-F878-464E-A8A6-1185EFA0E380}" srcId="{0DD8915E-DC14-41D6-9BB5-F49E1C265163}" destId="{A2322D3A-7AC2-4C5C-9D7E-EAB2313D47D4}" srcOrd="4" destOrd="0" parTransId="{4A8C15D4-B36F-4764-B4FF-F2AF790D3E17}" sibTransId="{84DE1C3A-3FC7-4DB3-88ED-33F65A71557A}"/>
-    <dgm:cxn modelId="{8CB96BD1-8B01-481A-B525-C5C507C9951C}" type="presOf" srcId="{0EC0C300-11E4-45CF-8418-973585107209}" destId="{6B5FE59C-B471-448A-AA7A-B526DCC4D4CA}" srcOrd="0" destOrd="0" presId="urn:microsoft.com/office/officeart/2016/7/layout/HorizontalActionList"/>
-    <dgm:cxn modelId="{36A4EED2-16DE-4F21-9B57-BD053CD7ED3D}" type="presOf" srcId="{FEB4A941-E9FA-4A86-A673-85FF34B35F20}" destId="{C42A8BDE-B838-475D-AFDE-17B60D744AB6}" srcOrd="0" destOrd="0" presId="urn:microsoft.com/office/officeart/2016/7/layout/HorizontalActionList"/>
-    <dgm:cxn modelId="{BF1349D4-34AE-476D-8D7B-F3ABAB74304F}" type="presOf" srcId="{50418D2B-9486-42DE-AFDD-1D31420040FF}" destId="{4FEB85EB-D046-4CDB-8A62-BBCE260C4490}" srcOrd="0" destOrd="0" presId="urn:microsoft.com/office/officeart/2016/7/layout/HorizontalActionList"/>
-    <dgm:cxn modelId="{825BC9D8-F515-4FBF-8CF8-23CD32968E1D}" type="presOf" srcId="{0DD8915E-DC14-41D6-9BB5-F49E1C265163}" destId="{E4B4F7C4-5024-45F0-9FD7-C5068A1AE6C4}" srcOrd="0" destOrd="0" presId="urn:microsoft.com/office/officeart/2016/7/layout/HorizontalActionList"/>
-    <dgm:cxn modelId="{E9D2B9D9-3B26-471C-AF45-E02D1C258CD3}" type="presParOf" srcId="{E4B4F7C4-5024-45F0-9FD7-C5068A1AE6C4}" destId="{473E2436-1BC1-4A6C-8568-5C38418F52D1}" srcOrd="0" destOrd="0" presId="urn:microsoft.com/office/officeart/2016/7/layout/HorizontalActionList"/>
-    <dgm:cxn modelId="{A151C920-5872-4C88-8534-922E9C800B9B}" type="presParOf" srcId="{473E2436-1BC1-4A6C-8568-5C38418F52D1}" destId="{BDBD7220-3F85-45D2-BED6-5BBFBC23EAE3}" srcOrd="0" destOrd="0" presId="urn:microsoft.com/office/officeart/2016/7/layout/HorizontalActionList"/>
-    <dgm:cxn modelId="{45373909-AB37-4D9A-936C-DC8447BC111D}" type="presParOf" srcId="{473E2436-1BC1-4A6C-8568-5C38418F52D1}" destId="{22359DD7-1BFB-4900-BAE6-6084F2F57988}" srcOrd="1" destOrd="0" presId="urn:microsoft.com/office/officeart/2016/7/layout/HorizontalActionList"/>
-    <dgm:cxn modelId="{CFC7E7C1-85BC-47FC-BC11-D0BACA8440B9}" type="presParOf" srcId="{E4B4F7C4-5024-45F0-9FD7-C5068A1AE6C4}" destId="{38C65349-0C40-499F-9765-B6F38C2DC3C3}" srcOrd="1" destOrd="0" presId="urn:microsoft.com/office/officeart/2016/7/layout/HorizontalActionList"/>
-    <dgm:cxn modelId="{86FF1107-69E9-4310-A0D8-2BF61292A72B}" type="presParOf" srcId="{E4B4F7C4-5024-45F0-9FD7-C5068A1AE6C4}" destId="{C6650FDC-3601-45F5-9125-6E3F90A53F8A}" srcOrd="2" destOrd="0" presId="urn:microsoft.com/office/officeart/2016/7/layout/HorizontalActionList"/>
-    <dgm:cxn modelId="{1C7F1C64-2F3D-4695-A56C-92B1B848B0C2}" type="presParOf" srcId="{C6650FDC-3601-45F5-9125-6E3F90A53F8A}" destId="{C4F84DEA-2002-4D32-8E80-70EEE05E345A}" srcOrd="0" destOrd="0" presId="urn:microsoft.com/office/officeart/2016/7/layout/HorizontalActionList"/>
-    <dgm:cxn modelId="{DC59A3FF-666D-48A7-B3BE-98A9F829402D}" type="presParOf" srcId="{C6650FDC-3601-45F5-9125-6E3F90A53F8A}" destId="{4FEB85EB-D046-4CDB-8A62-BBCE260C4490}" srcOrd="1" destOrd="0" presId="urn:microsoft.com/office/officeart/2016/7/layout/HorizontalActionList"/>
-    <dgm:cxn modelId="{AAE65B9C-F662-4FAA-8FDB-82E7FB86BB24}" type="presParOf" srcId="{E4B4F7C4-5024-45F0-9FD7-C5068A1AE6C4}" destId="{40F59683-723F-44D1-8379-95635EED1AA8}" srcOrd="3" destOrd="0" presId="urn:microsoft.com/office/officeart/2016/7/layout/HorizontalActionList"/>
-    <dgm:cxn modelId="{F5BE37E3-59D0-4D56-B08C-9B1D93695802}" type="presParOf" srcId="{E4B4F7C4-5024-45F0-9FD7-C5068A1AE6C4}" destId="{BB2E4F65-C461-40C3-BC82-6A29AA851F44}" srcOrd="4" destOrd="0" presId="urn:microsoft.com/office/officeart/2016/7/layout/HorizontalActionList"/>
-    <dgm:cxn modelId="{1FC3B8DB-8632-4AA8-99E5-4F0C12504130}" type="presParOf" srcId="{BB2E4F65-C461-40C3-BC82-6A29AA851F44}" destId="{49B7F8FA-D256-41EF-9327-52A3551D9A60}" srcOrd="0" destOrd="0" presId="urn:microsoft.com/office/officeart/2016/7/layout/HorizontalActionList"/>
-    <dgm:cxn modelId="{03A1CBF9-FFCE-4B8C-9850-8B297556CCF4}" type="presParOf" srcId="{BB2E4F65-C461-40C3-BC82-6A29AA851F44}" destId="{6B5FE59C-B471-448A-AA7A-B526DCC4D4CA}" srcOrd="1" destOrd="0" presId="urn:microsoft.com/office/officeart/2016/7/layout/HorizontalActionList"/>
-    <dgm:cxn modelId="{BAB9C1C4-8A05-4AE7-B42E-55875981524E}" type="presParOf" srcId="{E4B4F7C4-5024-45F0-9FD7-C5068A1AE6C4}" destId="{A91542D9-4FB3-4302-AD03-3D6EF82E6748}" srcOrd="5" destOrd="0" presId="urn:microsoft.com/office/officeart/2016/7/layout/HorizontalActionList"/>
-    <dgm:cxn modelId="{F7DEAAC8-FCAD-4F6B-92BD-91B8342F3277}" type="presParOf" srcId="{E4B4F7C4-5024-45F0-9FD7-C5068A1AE6C4}" destId="{1A7C3045-2DAF-4A19-82DB-79436B2E4575}" srcOrd="6" destOrd="0" presId="urn:microsoft.com/office/officeart/2016/7/layout/HorizontalActionList"/>
-    <dgm:cxn modelId="{13555CA3-20BE-41F8-BD09-0BA8CEE1C702}" type="presParOf" srcId="{1A7C3045-2DAF-4A19-82DB-79436B2E4575}" destId="{4132ECB1-6BEF-4935-AFA3-B2EAA48FDE7E}" srcOrd="0" destOrd="0" presId="urn:microsoft.com/office/officeart/2016/7/layout/HorizontalActionList"/>
-    <dgm:cxn modelId="{0848E8B2-6BD5-4CB6-B7E0-F8F1B1F78E2F}" type="presParOf" srcId="{1A7C3045-2DAF-4A19-82DB-79436B2E4575}" destId="{C42A8BDE-B838-475D-AFDE-17B60D744AB6}" srcOrd="1" destOrd="0" presId="urn:microsoft.com/office/officeart/2016/7/layout/HorizontalActionList"/>
-    <dgm:cxn modelId="{FD5AD2F1-E5D1-4359-99EB-D3225676DF7F}" type="presParOf" srcId="{E4B4F7C4-5024-45F0-9FD7-C5068A1AE6C4}" destId="{D0DC94A3-770A-4810-A89A-7DB7918862F6}" srcOrd="7" destOrd="0" presId="urn:microsoft.com/office/officeart/2016/7/layout/HorizontalActionList"/>
-    <dgm:cxn modelId="{2608DA2F-9259-4A20-98D1-9A5F5780B66F}" type="presParOf" srcId="{E4B4F7C4-5024-45F0-9FD7-C5068A1AE6C4}" destId="{647B2244-AC3A-441A-A6FB-6136FA04F429}" srcOrd="8" destOrd="0" presId="urn:microsoft.com/office/officeart/2016/7/layout/HorizontalActionList"/>
-    <dgm:cxn modelId="{F55613FD-292F-4CCF-A44A-E9FC24D70E0E}" type="presParOf" srcId="{647B2244-AC3A-441A-A6FB-6136FA04F429}" destId="{59606EB9-9F10-4D12-A33F-A242FDCC0D0F}" srcOrd="0" destOrd="0" presId="urn:microsoft.com/office/officeart/2016/7/layout/HorizontalActionList"/>
-    <dgm:cxn modelId="{7B4FE576-C66F-4D92-B6AC-DA1D068316E4}" type="presParOf" srcId="{647B2244-AC3A-441A-A6FB-6136FA04F429}" destId="{C8429E68-36DD-4F6A-A2F4-7CCDADCEFAD1}" srcOrd="1" destOrd="0" presId="urn:microsoft.com/office/officeart/2016/7/layout/HorizontalActionList"/>
+    <dgm:cxn modelId="{4DEB81D6-97DA-40DA-AC30-18C6FF945B61}" type="presOf" srcId="{E9682B4F-0217-4B50-923E-C104AA24290F}" destId="{277F5F5C-3E82-495D-986B-2110225A5E32}" srcOrd="0" destOrd="0" presId="urn:microsoft.com/office/officeart/2018/5/layout/CenteredIconLabelDescriptionList"/>
+    <dgm:cxn modelId="{ACE241D9-AF8E-40B7-8B0C-D7C3A2A2C52F}" type="presOf" srcId="{30A490C8-22B4-4D68-875C-0F0DE2FF864D}" destId="{EC1D9245-615F-47AF-AB3C-5A3B24FB98C9}" srcOrd="0" destOrd="0" presId="urn:microsoft.com/office/officeart/2018/5/layout/CenteredIconLabelDescriptionList"/>
+    <dgm:cxn modelId="{FB67C1DD-1A33-4381-9833-92EBE10FEC79}" type="presOf" srcId="{FEB4A941-E9FA-4A86-A673-85FF34B35F20}" destId="{CC7B441F-2EC0-49E2-8DB2-0CBCD6485990}" srcOrd="0" destOrd="0" presId="urn:microsoft.com/office/officeart/2018/5/layout/CenteredIconLabelDescriptionList"/>
+    <dgm:cxn modelId="{7C3BB041-3BE1-43D5-B82B-150AED3D82A2}" type="presParOf" srcId="{15E17190-E587-4922-8BE2-A5228162692F}" destId="{9C0044BC-AA07-4E96-A2C9-067131DC8C87}" srcOrd="0" destOrd="0" presId="urn:microsoft.com/office/officeart/2018/5/layout/CenteredIconLabelDescriptionList"/>
+    <dgm:cxn modelId="{2CBE8222-507B-4496-A08C-0E32D2E965DB}" type="presParOf" srcId="{9C0044BC-AA07-4E96-A2C9-067131DC8C87}" destId="{AB511D5B-B4FE-4D73-9913-4CD8AAF0E3AC}" srcOrd="0" destOrd="0" presId="urn:microsoft.com/office/officeart/2018/5/layout/CenteredIconLabelDescriptionList"/>
+    <dgm:cxn modelId="{F56A1F71-FD76-453F-A83A-BF0816F30B54}" type="presParOf" srcId="{9C0044BC-AA07-4E96-A2C9-067131DC8C87}" destId="{78BAE6FD-7044-4384-A56F-CE4692D3B4FE}" srcOrd="1" destOrd="0" presId="urn:microsoft.com/office/officeart/2018/5/layout/CenteredIconLabelDescriptionList"/>
+    <dgm:cxn modelId="{E1BF69AA-4909-4A3E-8510-8B9CEA8B693E}" type="presParOf" srcId="{9C0044BC-AA07-4E96-A2C9-067131DC8C87}" destId="{48A74A13-4F44-41EC-B301-0F4578EDD2E4}" srcOrd="2" destOrd="0" presId="urn:microsoft.com/office/officeart/2018/5/layout/CenteredIconLabelDescriptionList"/>
+    <dgm:cxn modelId="{1A8EEAE5-92AB-4E9B-A25C-19250F1342FF}" type="presParOf" srcId="{9C0044BC-AA07-4E96-A2C9-067131DC8C87}" destId="{621BE1F2-4845-43A1-8B52-AE21B0649B9B}" srcOrd="3" destOrd="0" presId="urn:microsoft.com/office/officeart/2018/5/layout/CenteredIconLabelDescriptionList"/>
+    <dgm:cxn modelId="{A8C343BF-12BB-4626-8406-F07235B9E304}" type="presParOf" srcId="{9C0044BC-AA07-4E96-A2C9-067131DC8C87}" destId="{EC1D9245-615F-47AF-AB3C-5A3B24FB98C9}" srcOrd="4" destOrd="0" presId="urn:microsoft.com/office/officeart/2018/5/layout/CenteredIconLabelDescriptionList"/>
+    <dgm:cxn modelId="{21A1A6F0-737D-4309-83ED-038D561470ED}" type="presParOf" srcId="{15E17190-E587-4922-8BE2-A5228162692F}" destId="{7FE57267-7125-4FE0-B63D-7FDF5A171A93}" srcOrd="1" destOrd="0" presId="urn:microsoft.com/office/officeart/2018/5/layout/CenteredIconLabelDescriptionList"/>
+    <dgm:cxn modelId="{C69A93CD-8B4C-4005-8BDB-49B227419B04}" type="presParOf" srcId="{15E17190-E587-4922-8BE2-A5228162692F}" destId="{7D56986D-7ADD-4952-8C3D-C7F7ABE7FEF2}" srcOrd="2" destOrd="0" presId="urn:microsoft.com/office/officeart/2018/5/layout/CenteredIconLabelDescriptionList"/>
+    <dgm:cxn modelId="{860823A5-FC16-4A92-9BE5-4AA96D571975}" type="presParOf" srcId="{7D56986D-7ADD-4952-8C3D-C7F7ABE7FEF2}" destId="{B6A6E7CB-16FC-46A5-9C8A-F6CA6354A4E8}" srcOrd="0" destOrd="0" presId="urn:microsoft.com/office/officeart/2018/5/layout/CenteredIconLabelDescriptionList"/>
+    <dgm:cxn modelId="{5DDABD83-91C9-4304-98BB-82840C2C3DB4}" type="presParOf" srcId="{7D56986D-7ADD-4952-8C3D-C7F7ABE7FEF2}" destId="{C6F9AF4E-BC25-45F9-A69F-BCA500A23ECA}" srcOrd="1" destOrd="0" presId="urn:microsoft.com/office/officeart/2018/5/layout/CenteredIconLabelDescriptionList"/>
+    <dgm:cxn modelId="{8E3B53D2-F80C-48FE-A41E-E41FF206DD78}" type="presParOf" srcId="{7D56986D-7ADD-4952-8C3D-C7F7ABE7FEF2}" destId="{99F72941-4540-4FB0-A90B-51D3BDB535F6}" srcOrd="2" destOrd="0" presId="urn:microsoft.com/office/officeart/2018/5/layout/CenteredIconLabelDescriptionList"/>
+    <dgm:cxn modelId="{143115C0-9D06-40A4-9387-8B95B24BDF48}" type="presParOf" srcId="{7D56986D-7ADD-4952-8C3D-C7F7ABE7FEF2}" destId="{20C0F8AA-6040-4482-9956-A5F6191D29D5}" srcOrd="3" destOrd="0" presId="urn:microsoft.com/office/officeart/2018/5/layout/CenteredIconLabelDescriptionList"/>
+    <dgm:cxn modelId="{64F67C80-D5BD-4DB4-BF0D-0BBE9EC33C4E}" type="presParOf" srcId="{7D56986D-7ADD-4952-8C3D-C7F7ABE7FEF2}" destId="{A3D7EBC2-9302-4A60-819F-D131EF244C6B}" srcOrd="4" destOrd="0" presId="urn:microsoft.com/office/officeart/2018/5/layout/CenteredIconLabelDescriptionList"/>
+    <dgm:cxn modelId="{F45F11A2-2A32-457A-B540-6FF0D52B7EA1}" type="presParOf" srcId="{15E17190-E587-4922-8BE2-A5228162692F}" destId="{2F92B8F4-E8E1-45AF-8BA8-6AA6C3672E97}" srcOrd="3" destOrd="0" presId="urn:microsoft.com/office/officeart/2018/5/layout/CenteredIconLabelDescriptionList"/>
+    <dgm:cxn modelId="{0D8D85D0-6775-4C48-B746-33EB0A31BFDA}" type="presParOf" srcId="{15E17190-E587-4922-8BE2-A5228162692F}" destId="{12E259F5-17D0-4CCE-B42E-16BB80809646}" srcOrd="4" destOrd="0" presId="urn:microsoft.com/office/officeart/2018/5/layout/CenteredIconLabelDescriptionList"/>
+    <dgm:cxn modelId="{37846798-006B-49A0-BF60-42F814AF5166}" type="presParOf" srcId="{12E259F5-17D0-4CCE-B42E-16BB80809646}" destId="{23885CA0-B136-4E52-93D8-C35BED8EE75B}" srcOrd="0" destOrd="0" presId="urn:microsoft.com/office/officeart/2018/5/layout/CenteredIconLabelDescriptionList"/>
+    <dgm:cxn modelId="{43D87485-550E-4017-BD9C-15CEEA0A753D}" type="presParOf" srcId="{12E259F5-17D0-4CCE-B42E-16BB80809646}" destId="{E54E24F8-E2A8-47F3-BAC4-924DEECD4625}" srcOrd="1" destOrd="0" presId="urn:microsoft.com/office/officeart/2018/5/layout/CenteredIconLabelDescriptionList"/>
+    <dgm:cxn modelId="{CBA3E8E4-51F9-4B1D-AF87-38F76110E2F4}" type="presParOf" srcId="{12E259F5-17D0-4CCE-B42E-16BB80809646}" destId="{277F5F5C-3E82-495D-986B-2110225A5E32}" srcOrd="2" destOrd="0" presId="urn:microsoft.com/office/officeart/2018/5/layout/CenteredIconLabelDescriptionList"/>
+    <dgm:cxn modelId="{1699BCCE-417B-4687-810C-64AEA31BFE8F}" type="presParOf" srcId="{12E259F5-17D0-4CCE-B42E-16BB80809646}" destId="{A5E45438-50B5-46B2-A9E5-255FECE8EE03}" srcOrd="3" destOrd="0" presId="urn:microsoft.com/office/officeart/2018/5/layout/CenteredIconLabelDescriptionList"/>
+    <dgm:cxn modelId="{FFB4598E-4F25-49C5-8828-F830E20F8AE9}" type="presParOf" srcId="{12E259F5-17D0-4CCE-B42E-16BB80809646}" destId="{7AFE8160-CB69-461E-AF1B-FCCE8366E57F}" srcOrd="4" destOrd="0" presId="urn:microsoft.com/office/officeart/2018/5/layout/CenteredIconLabelDescriptionList"/>
+    <dgm:cxn modelId="{CFC77A72-063E-416E-9EFB-CB94FBBC781C}" type="presParOf" srcId="{15E17190-E587-4922-8BE2-A5228162692F}" destId="{8DDF05EF-4CA7-4FF8-B223-C13AA4373850}" srcOrd="5" destOrd="0" presId="urn:microsoft.com/office/officeart/2018/5/layout/CenteredIconLabelDescriptionList"/>
+    <dgm:cxn modelId="{7C2CDC82-178B-4014-8EEC-B886D4B3509D}" type="presParOf" srcId="{15E17190-E587-4922-8BE2-A5228162692F}" destId="{9042BBA0-DBD2-48EE-83E1-3967EDD0E0FA}" srcOrd="6" destOrd="0" presId="urn:microsoft.com/office/officeart/2018/5/layout/CenteredIconLabelDescriptionList"/>
+    <dgm:cxn modelId="{4ACF664E-9D17-4D1B-86CB-9CCCB6211A4A}" type="presParOf" srcId="{9042BBA0-DBD2-48EE-83E1-3967EDD0E0FA}" destId="{640B7BE0-EE01-499B-A250-ECB688E7D43D}" srcOrd="0" destOrd="0" presId="urn:microsoft.com/office/officeart/2018/5/layout/CenteredIconLabelDescriptionList"/>
+    <dgm:cxn modelId="{0A2A4C22-9974-455F-AD90-A8BC534AB2CD}" type="presParOf" srcId="{9042BBA0-DBD2-48EE-83E1-3967EDD0E0FA}" destId="{B1184A62-E16A-4597-9400-C1E2F6F7E7E1}" srcOrd="1" destOrd="0" presId="urn:microsoft.com/office/officeart/2018/5/layout/CenteredIconLabelDescriptionList"/>
+    <dgm:cxn modelId="{7FC0C4C4-B2E8-4644-82DF-7E60B8AAFCE5}" type="presParOf" srcId="{9042BBA0-DBD2-48EE-83E1-3967EDD0E0FA}" destId="{1A4BB37F-F723-416A-BED4-52518DFBEB91}" srcOrd="2" destOrd="0" presId="urn:microsoft.com/office/officeart/2018/5/layout/CenteredIconLabelDescriptionList"/>
+    <dgm:cxn modelId="{53A9FEC4-0D6E-41F6-AA36-0EF995589025}" type="presParOf" srcId="{9042BBA0-DBD2-48EE-83E1-3967EDD0E0FA}" destId="{706AF4BC-D568-47C6-B721-F85E1AEE5EE3}" srcOrd="3" destOrd="0" presId="urn:microsoft.com/office/officeart/2018/5/layout/CenteredIconLabelDescriptionList"/>
+    <dgm:cxn modelId="{C1859EF1-939C-4445-9B03-47BDB6B89000}" type="presParOf" srcId="{9042BBA0-DBD2-48EE-83E1-3967EDD0E0FA}" destId="{CC7B441F-2EC0-49E2-8DB2-0CBCD6485990}" srcOrd="4" destOrd="0" presId="urn:microsoft.com/office/officeart/2018/5/layout/CenteredIconLabelDescriptionList"/>
+    <dgm:cxn modelId="{2CB1BC4A-710B-4BC5-A43C-A676A0826239}" type="presParOf" srcId="{15E17190-E587-4922-8BE2-A5228162692F}" destId="{52BF8B89-940C-45CF-A815-0B56D150B9D8}" srcOrd="7" destOrd="0" presId="urn:microsoft.com/office/officeart/2018/5/layout/CenteredIconLabelDescriptionList"/>
+    <dgm:cxn modelId="{1DEF32A7-D4A6-4FD7-9257-E52AE0075A06}" type="presParOf" srcId="{15E17190-E587-4922-8BE2-A5228162692F}" destId="{0813BF2D-73BB-45F4-A396-6D717DC7E448}" srcOrd="8" destOrd="0" presId="urn:microsoft.com/office/officeart/2018/5/layout/CenteredIconLabelDescriptionList"/>
+    <dgm:cxn modelId="{7E63C586-276E-4B2C-A630-64221B8BE775}" type="presParOf" srcId="{0813BF2D-73BB-45F4-A396-6D717DC7E448}" destId="{56C3CB3A-B26F-45E9-9D50-940089F630A1}" srcOrd="0" destOrd="0" presId="urn:microsoft.com/office/officeart/2018/5/layout/CenteredIconLabelDescriptionList"/>
+    <dgm:cxn modelId="{4CCF33BB-C997-4B27-A568-7421CCC9F899}" type="presParOf" srcId="{0813BF2D-73BB-45F4-A396-6D717DC7E448}" destId="{912BAA05-5AF6-4836-8A0B-510295878128}" srcOrd="1" destOrd="0" presId="urn:microsoft.com/office/officeart/2018/5/layout/CenteredIconLabelDescriptionList"/>
+    <dgm:cxn modelId="{4B80FC6B-B98C-4635-8190-20490D06E11A}" type="presParOf" srcId="{0813BF2D-73BB-45F4-A396-6D717DC7E448}" destId="{C854882B-5AF1-48A4-A331-248A6CD9D753}" srcOrd="2" destOrd="0" presId="urn:microsoft.com/office/officeart/2018/5/layout/CenteredIconLabelDescriptionList"/>
+    <dgm:cxn modelId="{5BABEC86-9C79-469A-AA82-51A7CB26DF11}" type="presParOf" srcId="{0813BF2D-73BB-45F4-A396-6D717DC7E448}" destId="{39880715-2397-41B6-8662-3E9FCD31644F}" srcOrd="3" destOrd="0" presId="urn:microsoft.com/office/officeart/2018/5/layout/CenteredIconLabelDescriptionList"/>
+    <dgm:cxn modelId="{28E9385A-9984-4C11-99F5-E70DC2B4D425}" type="presParOf" srcId="{0813BF2D-73BB-45F4-A396-6D717DC7E448}" destId="{5E7F6219-0AD5-44DB-860D-2F1792B2CEDD}" srcOrd="4" destOrd="0" presId="urn:microsoft.com/office/officeart/2018/5/layout/CenteredIconLabelDescriptionList"/>
   </dgm:cxnLst>
   <dgm:bg/>
   <dgm:whole/>
@@ -3966,36 +3998,36 @@
       <dsp:cNvGrpSpPr/>
     </dsp:nvGrpSpPr>
     <dsp:grpSpPr/>
-    <dsp:sp modelId="{BDBD7220-3F85-45D2-BED6-5BBFBC23EAE3}">
+    <dsp:sp modelId="{AB511D5B-B4FE-4D73-9913-4CD8AAF0E3AC}">
       <dsp:nvSpPr>
         <dsp:cNvPr id="0" name=""/>
         <dsp:cNvSpPr/>
       </dsp:nvSpPr>
       <dsp:spPr>
         <a:xfrm>
-          <a:off x="13760" y="533359"/>
-          <a:ext cx="2011384" cy="603415"/>
+          <a:off x="602725" y="776359"/>
+          <a:ext cx="645257" cy="645257"/>
         </a:xfrm>
         <a:prstGeom prst="rect">
           <a:avLst/>
         </a:prstGeom>
-        <a:solidFill>
-          <a:schemeClr val="accent1">
-            <a:hueOff val="0"/>
-            <a:satOff val="0"/>
-            <a:lumOff val="0"/>
-            <a:alphaOff val="0"/>
-          </a:schemeClr>
-        </a:solidFill>
+        <a:blipFill>
+          <a:blip xmlns:r="http://schemas.openxmlformats.org/officeDocument/2006/relationships" r:embed="rId1">
+            <a:extLst>
+              <a:ext uri="{28A0092B-C50C-407E-A947-70E740481C1C}">
+                <a14:useLocalDpi xmlns:a14="http://schemas.microsoft.com/office/drawing/2010/main" val="0"/>
+              </a:ext>
+              <a:ext uri="{96DAC541-7B7A-43D3-8B79-37D633B846F1}">
+                <asvg:svgBlip xmlns:asvg="http://schemas.microsoft.com/office/drawing/2016/SVG/main" r:embed="rId2"/>
+              </a:ext>
+            </a:extLst>
+          </a:blip>
+          <a:stretch>
+            <a:fillRect/>
+          </a:stretch>
+        </a:blipFill>
         <a:ln w="12700" cap="flat" cmpd="sng" algn="ctr">
-          <a:solidFill>
-            <a:schemeClr val="accent1">
-              <a:hueOff val="0"/>
-              <a:satOff val="0"/>
-              <a:lumOff val="0"/>
-              <a:alphaOff val="0"/>
-            </a:schemeClr>
-          </a:solidFill>
+          <a:noFill/>
           <a:prstDash val="solid"/>
           <a:miter lim="800000"/>
         </a:ln>
@@ -4015,15 +4047,47 @@
           <a:schemeClr val="lt1"/>
         </a:fontRef>
       </dsp:style>
+    </dsp:sp>
+    <dsp:sp modelId="{48A74A13-4F44-41EC-B301-0F4578EDD2E4}">
+      <dsp:nvSpPr>
+        <dsp:cNvPr id="0" name=""/>
+        <dsp:cNvSpPr/>
+      </dsp:nvSpPr>
+      <dsp:spPr>
+        <a:xfrm>
+          <a:off x="3557" y="1515881"/>
+          <a:ext cx="1843593" cy="432092"/>
+        </a:xfrm>
+        <a:prstGeom prst="rect">
+          <a:avLst/>
+        </a:prstGeom>
+        <a:noFill/>
+        <a:ln>
+          <a:noFill/>
+        </a:ln>
+        <a:effectLst/>
+      </dsp:spPr>
+      <dsp:style>
+        <a:lnRef idx="0">
+          <a:scrgbClr r="0" g="0" b="0"/>
+        </a:lnRef>
+        <a:fillRef idx="0">
+          <a:scrgbClr r="0" g="0" b="0"/>
+        </a:fillRef>
+        <a:effectRef idx="0">
+          <a:scrgbClr r="0" g="0" b="0"/>
+        </a:effectRef>
+        <a:fontRef idx="minor"/>
+      </dsp:style>
       <dsp:txBody>
-        <a:bodyPr spcFirstLastPara="0" vert="horz" wrap="square" lIns="158944" tIns="158944" rIns="158944" bIns="158944" numCol="1" spcCol="1270" anchor="ctr" anchorCtr="0">
+        <a:bodyPr spcFirstLastPara="0" vert="horz" wrap="square" lIns="0" tIns="0" rIns="0" bIns="0" numCol="1" spcCol="1270" anchor="t" anchorCtr="0">
           <a:noAutofit/>
         </a:bodyPr>
         <a:lstStyle/>
         <a:p>
-          <a:pPr marL="0" lvl="0" indent="0" algn="ctr" defTabSz="914400" rtl="0" eaLnBrk="1" latinLnBrk="0" hangingPunct="1">
+          <a:pPr marL="0" lvl="0" indent="0" algn="ctr" defTabSz="622300">
             <a:lnSpc>
-              <a:spcPct val="90000"/>
+              <a:spcPct val="100000"/>
             </a:lnSpc>
             <a:spcBef>
               <a:spcPct val="0"/>
@@ -4031,14 +4095,11 @@
             <a:spcAft>
               <a:spcPct val="35000"/>
             </a:spcAft>
-            <a:buFont typeface="Arial" panose="020B0604020202020204" pitchFamily="34" charset="0"/>
             <a:buNone/>
+            <a:defRPr b="1"/>
           </a:pPr>
           <a:r>
-            <a:rPr lang="en-US" sz="1600" kern="1200" spc="150" baseline="0" dirty="0">
-              <a:solidFill>
-                <a:schemeClr val="tx1"/>
-              </a:solidFill>
+            <a:rPr lang="en-US" sz="1400" kern="1200" spc="150" baseline="0">
               <a:latin typeface="+mj-lt"/>
               <a:ea typeface="+mj-ea"/>
               <a:cs typeface="+mj-cs"/>
@@ -4048,54 +4109,34 @@
         </a:p>
       </dsp:txBody>
       <dsp:txXfrm>
-        <a:off x="13760" y="533359"/>
-        <a:ext cx="2011384" cy="603415"/>
+        <a:off x="3557" y="1515881"/>
+        <a:ext cx="1843593" cy="432092"/>
       </dsp:txXfrm>
     </dsp:sp>
-    <dsp:sp modelId="{22359DD7-1BFB-4900-BAE6-6084F2F57988}">
+    <dsp:sp modelId="{EC1D9245-615F-47AF-AB3C-5A3B24FB98C9}">
       <dsp:nvSpPr>
         <dsp:cNvPr id="0" name=""/>
         <dsp:cNvSpPr/>
       </dsp:nvSpPr>
       <dsp:spPr>
         <a:xfrm>
-          <a:off x="13760" y="1136775"/>
-          <a:ext cx="2011384" cy="1504865"/>
+          <a:off x="3557" y="1991818"/>
+          <a:ext cx="1843593" cy="976735"/>
         </a:xfrm>
         <a:prstGeom prst="rect">
           <a:avLst/>
         </a:prstGeom>
-        <a:solidFill>
-          <a:schemeClr val="accent1">
-            <a:alpha val="90000"/>
-            <a:tint val="40000"/>
-            <a:hueOff val="0"/>
-            <a:satOff val="0"/>
-            <a:lumOff val="0"/>
-            <a:alphaOff val="0"/>
-          </a:schemeClr>
-        </a:solidFill>
-        <a:ln w="12700" cap="flat" cmpd="sng" algn="ctr">
-          <a:solidFill>
-            <a:schemeClr val="accent1">
-              <a:alpha val="90000"/>
-              <a:tint val="40000"/>
-              <a:hueOff val="0"/>
-              <a:satOff val="0"/>
-              <a:lumOff val="0"/>
-              <a:alphaOff val="0"/>
-            </a:schemeClr>
-          </a:solidFill>
-          <a:prstDash val="solid"/>
-          <a:miter lim="800000"/>
+        <a:noFill/>
+        <a:ln>
+          <a:noFill/>
         </a:ln>
         <a:effectLst/>
       </dsp:spPr>
       <dsp:style>
-        <a:lnRef idx="2">
+        <a:lnRef idx="0">
           <a:scrgbClr r="0" g="0" b="0"/>
         </a:lnRef>
-        <a:fillRef idx="1">
+        <a:fillRef idx="0">
           <a:scrgbClr r="0" g="0" b="0"/>
         </a:fillRef>
         <a:effectRef idx="0">
@@ -4104,12 +4145,12 @@
         <a:fontRef idx="minor"/>
       </dsp:style>
       <dsp:txBody>
-        <a:bodyPr spcFirstLastPara="0" vert="horz" wrap="square" lIns="198680" tIns="198680" rIns="198680" bIns="198680" numCol="1" spcCol="1270" anchor="t" anchorCtr="0">
+        <a:bodyPr spcFirstLastPara="0" vert="horz" wrap="square" lIns="0" tIns="0" rIns="0" bIns="0" numCol="1" spcCol="1270" anchor="t" anchorCtr="0">
           <a:noAutofit/>
         </a:bodyPr>
         <a:lstStyle/>
         <a:p>
-          <a:pPr marL="0" lvl="0" indent="0" algn="l" defTabSz="622300">
+          <a:pPr marL="0" lvl="0" indent="0" algn="ctr" defTabSz="488950">
             <a:lnSpc>
               <a:spcPct val="100000"/>
             </a:lnSpc>
@@ -4122,14 +4163,14 @@
             <a:buNone/>
           </a:pPr>
           <a:r>
-            <a:rPr lang="en-US" sz="1400" kern="1200" spc="50" baseline="0" dirty="0">
+            <a:rPr lang="en-US" sz="1100" kern="1200" spc="50" baseline="0" dirty="0">
               <a:latin typeface="+mn-lt"/>
             </a:rPr>
             <a:t>Research</a:t>
           </a:r>
         </a:p>
         <a:p>
-          <a:pPr marL="0" lvl="0" indent="0" algn="l" defTabSz="622300">
+          <a:pPr marL="0" lvl="0" indent="0" algn="ctr" defTabSz="488950">
             <a:lnSpc>
               <a:spcPct val="100000"/>
             </a:lnSpc>
@@ -4142,14 +4183,14 @@
             <a:buNone/>
           </a:pPr>
           <a:r>
-            <a:rPr lang="en-US" sz="1400" kern="1200" spc="50" baseline="0" dirty="0">
+            <a:rPr lang="en-US" sz="1100" kern="1200" spc="50" baseline="0" dirty="0">
               <a:latin typeface="+mn-lt"/>
             </a:rPr>
             <a:t>Analyzing</a:t>
           </a:r>
         </a:p>
         <a:p>
-          <a:pPr marL="0" lvl="0" indent="0" algn="l" defTabSz="622300">
+          <a:pPr marL="0" lvl="0" indent="0" algn="ctr" defTabSz="488950">
             <a:lnSpc>
               <a:spcPct val="100000"/>
             </a:lnSpc>
@@ -4162,14 +4203,14 @@
             <a:buNone/>
           </a:pPr>
           <a:r>
-            <a:rPr lang="en-US" sz="1400" kern="1200" spc="50" baseline="0" dirty="0">
+            <a:rPr lang="en-US" sz="1100" kern="1200" spc="50" baseline="0" dirty="0">
               <a:latin typeface="+mn-lt"/>
             </a:rPr>
             <a:t>Designing</a:t>
           </a:r>
         </a:p>
         <a:p>
-          <a:pPr marL="0" lvl="0" indent="0" algn="l" defTabSz="622300">
+          <a:pPr marL="0" lvl="0" indent="0" algn="ctr" defTabSz="488950">
             <a:lnSpc>
               <a:spcPct val="100000"/>
             </a:lnSpc>
@@ -4182,49 +4223,49 @@
             <a:buNone/>
           </a:pPr>
           <a:r>
-            <a:rPr lang="en-IN" sz="1400" b="0" i="0" kern="1200" dirty="0"/>
+            <a:rPr lang="en-IN" sz="1100" b="0" i="0" kern="1200" dirty="0"/>
             <a:t>Architecture </a:t>
           </a:r>
-          <a:endParaRPr lang="en-US" sz="1400" kern="1200" spc="50" baseline="0" dirty="0">
+          <a:endParaRPr lang="en-US" sz="1100" kern="1200" spc="50" baseline="0" dirty="0">
             <a:latin typeface="+mn-lt"/>
           </a:endParaRPr>
         </a:p>
       </dsp:txBody>
       <dsp:txXfrm>
-        <a:off x="13760" y="1136775"/>
-        <a:ext cx="2011384" cy="1504865"/>
+        <a:off x="3557" y="1991818"/>
+        <a:ext cx="1843593" cy="976735"/>
       </dsp:txXfrm>
     </dsp:sp>
-    <dsp:sp modelId="{C4F84DEA-2002-4D32-8E80-70EEE05E345A}">
+    <dsp:sp modelId="{B6A6E7CB-16FC-46A5-9C8A-F6CA6354A4E8}">
       <dsp:nvSpPr>
         <dsp:cNvPr id="0" name=""/>
         <dsp:cNvSpPr/>
       </dsp:nvSpPr>
       <dsp:spPr>
         <a:xfrm>
-          <a:off x="2132933" y="533359"/>
-          <a:ext cx="2011384" cy="603415"/>
+          <a:off x="2768948" y="776359"/>
+          <a:ext cx="645257" cy="645257"/>
         </a:xfrm>
         <a:prstGeom prst="rect">
           <a:avLst/>
         </a:prstGeom>
-        <a:solidFill>
-          <a:schemeClr val="accent1">
-            <a:hueOff val="0"/>
-            <a:satOff val="0"/>
-            <a:lumOff val="0"/>
-            <a:alphaOff val="0"/>
-          </a:schemeClr>
-        </a:solidFill>
+        <a:blipFill>
+          <a:blip xmlns:r="http://schemas.openxmlformats.org/officeDocument/2006/relationships" r:embed="rId3">
+            <a:extLst>
+              <a:ext uri="{28A0092B-C50C-407E-A947-70E740481C1C}">
+                <a14:useLocalDpi xmlns:a14="http://schemas.microsoft.com/office/drawing/2010/main" val="0"/>
+              </a:ext>
+              <a:ext uri="{96DAC541-7B7A-43D3-8B79-37D633B846F1}">
+                <asvg:svgBlip xmlns:asvg="http://schemas.microsoft.com/office/drawing/2016/SVG/main" r:embed="rId4"/>
+              </a:ext>
+            </a:extLst>
+          </a:blip>
+          <a:stretch>
+            <a:fillRect/>
+          </a:stretch>
+        </a:blipFill>
         <a:ln w="12700" cap="flat" cmpd="sng" algn="ctr">
-          <a:solidFill>
-            <a:schemeClr val="accent1">
-              <a:hueOff val="0"/>
-              <a:satOff val="0"/>
-              <a:lumOff val="0"/>
-              <a:alphaOff val="0"/>
-            </a:schemeClr>
-          </a:solidFill>
+          <a:noFill/>
           <a:prstDash val="solid"/>
           <a:miter lim="800000"/>
         </a:ln>
@@ -4244,15 +4285,47 @@
           <a:schemeClr val="lt1"/>
         </a:fontRef>
       </dsp:style>
+    </dsp:sp>
+    <dsp:sp modelId="{99F72941-4540-4FB0-A90B-51D3BDB535F6}">
+      <dsp:nvSpPr>
+        <dsp:cNvPr id="0" name=""/>
+        <dsp:cNvSpPr/>
+      </dsp:nvSpPr>
+      <dsp:spPr>
+        <a:xfrm>
+          <a:off x="2169780" y="1515881"/>
+          <a:ext cx="1843593" cy="432092"/>
+        </a:xfrm>
+        <a:prstGeom prst="rect">
+          <a:avLst/>
+        </a:prstGeom>
+        <a:noFill/>
+        <a:ln>
+          <a:noFill/>
+        </a:ln>
+        <a:effectLst/>
+      </dsp:spPr>
+      <dsp:style>
+        <a:lnRef idx="0">
+          <a:scrgbClr r="0" g="0" b="0"/>
+        </a:lnRef>
+        <a:fillRef idx="0">
+          <a:scrgbClr r="0" g="0" b="0"/>
+        </a:fillRef>
+        <a:effectRef idx="0">
+          <a:scrgbClr r="0" g="0" b="0"/>
+        </a:effectRef>
+        <a:fontRef idx="minor"/>
+      </dsp:style>
       <dsp:txBody>
-        <a:bodyPr spcFirstLastPara="0" vert="horz" wrap="square" lIns="158944" tIns="158944" rIns="158944" bIns="158944" numCol="1" spcCol="1270" anchor="ctr" anchorCtr="0">
+        <a:bodyPr spcFirstLastPara="0" vert="horz" wrap="square" lIns="0" tIns="0" rIns="0" bIns="0" numCol="1" spcCol="1270" anchor="t" anchorCtr="0">
           <a:noAutofit/>
         </a:bodyPr>
         <a:lstStyle/>
         <a:p>
-          <a:pPr marL="0" lvl="0" indent="0" algn="ctr" defTabSz="711200">
+          <a:pPr marL="0" lvl="0" indent="0" algn="ctr" defTabSz="622300">
             <a:lnSpc>
-              <a:spcPct val="90000"/>
+              <a:spcPct val="100000"/>
             </a:lnSpc>
             <a:spcBef>
               <a:spcPct val="0"/>
@@ -4261,12 +4334,10 @@
               <a:spcPct val="35000"/>
             </a:spcAft>
             <a:buNone/>
+            <a:defRPr b="1"/>
           </a:pPr>
           <a:r>
-            <a:rPr lang="en-US" sz="1600" kern="1200" spc="150" baseline="0" dirty="0">
-              <a:solidFill>
-                <a:prstClr val="black"/>
-              </a:solidFill>
+            <a:rPr lang="en-US" sz="1400" kern="1200" spc="150" baseline="0">
               <a:latin typeface="Tenorite"/>
               <a:ea typeface="+mn-ea"/>
               <a:cs typeface="+mn-cs"/>
@@ -4276,54 +4347,34 @@
         </a:p>
       </dsp:txBody>
       <dsp:txXfrm>
-        <a:off x="2132933" y="533359"/>
-        <a:ext cx="2011384" cy="603415"/>
+        <a:off x="2169780" y="1515881"/>
+        <a:ext cx="1843593" cy="432092"/>
       </dsp:txXfrm>
     </dsp:sp>
-    <dsp:sp modelId="{4FEB85EB-D046-4CDB-8A62-BBCE260C4490}">
+    <dsp:sp modelId="{A3D7EBC2-9302-4A60-819F-D131EF244C6B}">
       <dsp:nvSpPr>
         <dsp:cNvPr id="0" name=""/>
         <dsp:cNvSpPr/>
       </dsp:nvSpPr>
       <dsp:spPr>
         <a:xfrm>
-          <a:off x="2132933" y="1136775"/>
-          <a:ext cx="2011384" cy="1504865"/>
+          <a:off x="2169780" y="1991818"/>
+          <a:ext cx="1843593" cy="976735"/>
         </a:xfrm>
         <a:prstGeom prst="rect">
           <a:avLst/>
         </a:prstGeom>
-        <a:solidFill>
-          <a:schemeClr val="accent1">
-            <a:alpha val="90000"/>
-            <a:tint val="40000"/>
-            <a:hueOff val="0"/>
-            <a:satOff val="0"/>
-            <a:lumOff val="0"/>
-            <a:alphaOff val="0"/>
-          </a:schemeClr>
-        </a:solidFill>
-        <a:ln w="12700" cap="flat" cmpd="sng" algn="ctr">
-          <a:solidFill>
-            <a:schemeClr val="accent1">
-              <a:alpha val="90000"/>
-              <a:tint val="40000"/>
-              <a:hueOff val="0"/>
-              <a:satOff val="0"/>
-              <a:lumOff val="0"/>
-              <a:alphaOff val="0"/>
-            </a:schemeClr>
-          </a:solidFill>
-          <a:prstDash val="solid"/>
-          <a:miter lim="800000"/>
+        <a:noFill/>
+        <a:ln>
+          <a:noFill/>
         </a:ln>
         <a:effectLst/>
       </dsp:spPr>
       <dsp:style>
-        <a:lnRef idx="2">
+        <a:lnRef idx="0">
           <a:scrgbClr r="0" g="0" b="0"/>
         </a:lnRef>
-        <a:fillRef idx="1">
+        <a:fillRef idx="0">
           <a:scrgbClr r="0" g="0" b="0"/>
         </a:fillRef>
         <a:effectRef idx="0">
@@ -4332,12 +4383,12 @@
         <a:fontRef idx="minor"/>
       </dsp:style>
       <dsp:txBody>
-        <a:bodyPr spcFirstLastPara="0" vert="horz" wrap="square" lIns="198680" tIns="198680" rIns="198680" bIns="198680" numCol="1" spcCol="1270" anchor="t" anchorCtr="0">
+        <a:bodyPr spcFirstLastPara="0" vert="horz" wrap="square" lIns="0" tIns="0" rIns="0" bIns="0" numCol="1" spcCol="1270" anchor="t" anchorCtr="0">
           <a:noAutofit/>
         </a:bodyPr>
         <a:lstStyle/>
         <a:p>
-          <a:pPr marL="0" lvl="0" indent="0" algn="l" defTabSz="622300">
+          <a:pPr marL="0" lvl="0" indent="0" algn="ctr" defTabSz="488950">
             <a:lnSpc>
               <a:spcPct val="100000"/>
             </a:lnSpc>
@@ -4350,14 +4401,14 @@
             <a:buNone/>
           </a:pPr>
           <a:r>
-            <a:rPr lang="en-US" sz="1400" kern="1200" spc="50" baseline="0" dirty="0">
+            <a:rPr lang="en-US" sz="1100" kern="1200" spc="50" baseline="0" dirty="0">
               <a:latin typeface="+mn-lt"/>
             </a:rPr>
             <a:t>React JS</a:t>
           </a:r>
         </a:p>
         <a:p>
-          <a:pPr marL="0" lvl="0" indent="0" algn="l" defTabSz="622300">
+          <a:pPr marL="0" lvl="0" indent="0" algn="ctr" defTabSz="488950">
             <a:lnSpc>
               <a:spcPct val="100000"/>
             </a:lnSpc>
@@ -4370,14 +4421,14 @@
             <a:buNone/>
           </a:pPr>
           <a:r>
-            <a:rPr lang="en-US" sz="1400" kern="1200" spc="50" baseline="0" dirty="0">
+            <a:rPr lang="en-US" sz="1100" kern="1200" spc="50" baseline="0" dirty="0">
               <a:latin typeface="+mn-lt"/>
             </a:rPr>
             <a:t>Material UI</a:t>
           </a:r>
         </a:p>
         <a:p>
-          <a:pPr marL="0" lvl="0" indent="0" algn="l" defTabSz="622300">
+          <a:pPr marL="0" lvl="0" indent="0" algn="ctr" defTabSz="488950">
             <a:lnSpc>
               <a:spcPct val="100000"/>
             </a:lnSpc>
@@ -4390,14 +4441,14 @@
             <a:buNone/>
           </a:pPr>
           <a:r>
-            <a:rPr lang="en-US" sz="1400" kern="1200" spc="50" baseline="0" dirty="0">
+            <a:rPr lang="en-US" sz="1100" kern="1200" spc="50" baseline="0" dirty="0">
               <a:latin typeface="+mn-lt"/>
             </a:rPr>
             <a:t>Axios</a:t>
           </a:r>
         </a:p>
         <a:p>
-          <a:pPr marL="0" lvl="0" indent="0" algn="l" defTabSz="622300">
+          <a:pPr marL="0" lvl="0" indent="0" algn="ctr" defTabSz="488950">
             <a:lnSpc>
               <a:spcPct val="100000"/>
             </a:lnSpc>
@@ -4410,7 +4461,7 @@
             <a:buNone/>
           </a:pPr>
           <a:r>
-            <a:rPr lang="en-US" sz="1400" kern="1200" spc="50" baseline="0" dirty="0">
+            <a:rPr lang="en-US" sz="1100" kern="1200" spc="50" baseline="0" dirty="0">
               <a:latin typeface="+mn-lt"/>
             </a:rPr>
             <a:t>Visual Studio</a:t>
@@ -4418,40 +4469,40 @@
         </a:p>
       </dsp:txBody>
       <dsp:txXfrm>
-        <a:off x="2132933" y="1136775"/>
-        <a:ext cx="2011384" cy="1504865"/>
+        <a:off x="2169780" y="1991818"/>
+        <a:ext cx="1843593" cy="976735"/>
       </dsp:txXfrm>
     </dsp:sp>
-    <dsp:sp modelId="{49B7F8FA-D256-41EF-9327-52A3551D9A60}">
+    <dsp:sp modelId="{23885CA0-B136-4E52-93D8-C35BED8EE75B}">
       <dsp:nvSpPr>
         <dsp:cNvPr id="0" name=""/>
         <dsp:cNvSpPr/>
       </dsp:nvSpPr>
       <dsp:spPr>
         <a:xfrm>
-          <a:off x="4252107" y="533359"/>
-          <a:ext cx="2011384" cy="603415"/>
+          <a:off x="4935171" y="776359"/>
+          <a:ext cx="645257" cy="645257"/>
         </a:xfrm>
         <a:prstGeom prst="rect">
           <a:avLst/>
         </a:prstGeom>
-        <a:solidFill>
-          <a:schemeClr val="accent1">
-            <a:hueOff val="0"/>
-            <a:satOff val="0"/>
-            <a:lumOff val="0"/>
-            <a:alphaOff val="0"/>
-          </a:schemeClr>
-        </a:solidFill>
+        <a:blipFill>
+          <a:blip xmlns:r="http://schemas.openxmlformats.org/officeDocument/2006/relationships" r:embed="rId5">
+            <a:extLst>
+              <a:ext uri="{28A0092B-C50C-407E-A947-70E740481C1C}">
+                <a14:useLocalDpi xmlns:a14="http://schemas.microsoft.com/office/drawing/2010/main" val="0"/>
+              </a:ext>
+              <a:ext uri="{96DAC541-7B7A-43D3-8B79-37D633B846F1}">
+                <asvg:svgBlip xmlns:asvg="http://schemas.microsoft.com/office/drawing/2016/SVG/main" r:embed="rId6"/>
+              </a:ext>
+            </a:extLst>
+          </a:blip>
+          <a:stretch>
+            <a:fillRect/>
+          </a:stretch>
+        </a:blipFill>
         <a:ln w="12700" cap="flat" cmpd="sng" algn="ctr">
-          <a:solidFill>
-            <a:schemeClr val="accent1">
-              <a:hueOff val="0"/>
-              <a:satOff val="0"/>
-              <a:lumOff val="0"/>
-              <a:alphaOff val="0"/>
-            </a:schemeClr>
-          </a:solidFill>
+          <a:noFill/>
           <a:prstDash val="solid"/>
           <a:miter lim="800000"/>
         </a:ln>
@@ -4471,15 +4522,47 @@
           <a:schemeClr val="lt1"/>
         </a:fontRef>
       </dsp:style>
+    </dsp:sp>
+    <dsp:sp modelId="{277F5F5C-3E82-495D-986B-2110225A5E32}">
+      <dsp:nvSpPr>
+        <dsp:cNvPr id="0" name=""/>
+        <dsp:cNvSpPr/>
+      </dsp:nvSpPr>
+      <dsp:spPr>
+        <a:xfrm>
+          <a:off x="4336003" y="1515881"/>
+          <a:ext cx="1843593" cy="432092"/>
+        </a:xfrm>
+        <a:prstGeom prst="rect">
+          <a:avLst/>
+        </a:prstGeom>
+        <a:noFill/>
+        <a:ln>
+          <a:noFill/>
+        </a:ln>
+        <a:effectLst/>
+      </dsp:spPr>
+      <dsp:style>
+        <a:lnRef idx="0">
+          <a:scrgbClr r="0" g="0" b="0"/>
+        </a:lnRef>
+        <a:fillRef idx="0">
+          <a:scrgbClr r="0" g="0" b="0"/>
+        </a:fillRef>
+        <a:effectRef idx="0">
+          <a:scrgbClr r="0" g="0" b="0"/>
+        </a:effectRef>
+        <a:fontRef idx="minor"/>
+      </dsp:style>
       <dsp:txBody>
-        <a:bodyPr spcFirstLastPara="0" vert="horz" wrap="square" lIns="158944" tIns="158944" rIns="158944" bIns="158944" numCol="1" spcCol="1270" anchor="ctr" anchorCtr="0">
+        <a:bodyPr spcFirstLastPara="0" vert="horz" wrap="square" lIns="0" tIns="0" rIns="0" bIns="0" numCol="1" spcCol="1270" anchor="t" anchorCtr="0">
           <a:noAutofit/>
         </a:bodyPr>
         <a:lstStyle/>
         <a:p>
-          <a:pPr marL="0" lvl="0" indent="0" algn="ctr" defTabSz="889000">
+          <a:pPr marL="0" lvl="0" indent="0" algn="ctr" defTabSz="622300">
             <a:lnSpc>
-              <a:spcPct val="90000"/>
+              <a:spcPct val="100000"/>
             </a:lnSpc>
             <a:spcBef>
               <a:spcPct val="0"/>
@@ -4488,12 +4571,10 @@
               <a:spcPct val="35000"/>
             </a:spcAft>
             <a:buNone/>
+            <a:defRPr b="1"/>
           </a:pPr>
           <a:r>
-            <a:rPr lang="en-US" sz="1600" kern="1200" spc="150" baseline="0" dirty="0">
-              <a:solidFill>
-                <a:prstClr val="black"/>
-              </a:solidFill>
+            <a:rPr lang="en-US" sz="1400" kern="1200" spc="150" baseline="0">
               <a:latin typeface="Tenorite"/>
               <a:ea typeface="+mn-ea"/>
               <a:cs typeface="+mn-cs"/>
@@ -4503,54 +4584,34 @@
         </a:p>
       </dsp:txBody>
       <dsp:txXfrm>
-        <a:off x="4252107" y="533359"/>
-        <a:ext cx="2011384" cy="603415"/>
+        <a:off x="4336003" y="1515881"/>
+        <a:ext cx="1843593" cy="432092"/>
       </dsp:txXfrm>
     </dsp:sp>
-    <dsp:sp modelId="{6B5FE59C-B471-448A-AA7A-B526DCC4D4CA}">
+    <dsp:sp modelId="{7AFE8160-CB69-461E-AF1B-FCCE8366E57F}">
       <dsp:nvSpPr>
         <dsp:cNvPr id="0" name=""/>
         <dsp:cNvSpPr/>
       </dsp:nvSpPr>
       <dsp:spPr>
         <a:xfrm>
-          <a:off x="4252107" y="1136775"/>
-          <a:ext cx="2011384" cy="1504865"/>
+          <a:off x="4336003" y="1991818"/>
+          <a:ext cx="1843593" cy="976735"/>
         </a:xfrm>
         <a:prstGeom prst="rect">
           <a:avLst/>
         </a:prstGeom>
-        <a:solidFill>
-          <a:schemeClr val="accent1">
-            <a:alpha val="90000"/>
-            <a:tint val="40000"/>
-            <a:hueOff val="0"/>
-            <a:satOff val="0"/>
-            <a:lumOff val="0"/>
-            <a:alphaOff val="0"/>
-          </a:schemeClr>
-        </a:solidFill>
-        <a:ln w="12700" cap="flat" cmpd="sng" algn="ctr">
-          <a:solidFill>
-            <a:schemeClr val="accent1">
-              <a:alpha val="90000"/>
-              <a:tint val="40000"/>
-              <a:hueOff val="0"/>
-              <a:satOff val="0"/>
-              <a:lumOff val="0"/>
-              <a:alphaOff val="0"/>
-            </a:schemeClr>
-          </a:solidFill>
-          <a:prstDash val="solid"/>
-          <a:miter lim="800000"/>
+        <a:noFill/>
+        <a:ln>
+          <a:noFill/>
         </a:ln>
         <a:effectLst/>
       </dsp:spPr>
       <dsp:style>
-        <a:lnRef idx="2">
+        <a:lnRef idx="0">
           <a:scrgbClr r="0" g="0" b="0"/>
         </a:lnRef>
-        <a:fillRef idx="1">
+        <a:fillRef idx="0">
           <a:scrgbClr r="0" g="0" b="0"/>
         </a:fillRef>
         <a:effectRef idx="0">
@@ -4559,12 +4620,12 @@
         <a:fontRef idx="minor"/>
       </dsp:style>
       <dsp:txBody>
-        <a:bodyPr spcFirstLastPara="0" vert="horz" wrap="square" lIns="198680" tIns="198680" rIns="198680" bIns="198680" numCol="1" spcCol="1270" anchor="t" anchorCtr="0">
+        <a:bodyPr spcFirstLastPara="0" vert="horz" wrap="square" lIns="0" tIns="0" rIns="0" bIns="0" numCol="1" spcCol="1270" anchor="t" anchorCtr="0">
           <a:noAutofit/>
         </a:bodyPr>
         <a:lstStyle/>
         <a:p>
-          <a:pPr marL="0" lvl="0" indent="0" algn="l" defTabSz="666750">
+          <a:pPr marL="0" lvl="0" indent="0" algn="ctr" defTabSz="488950">
             <a:lnSpc>
               <a:spcPct val="100000"/>
             </a:lnSpc>
@@ -4577,15 +4638,7 @@
             <a:buNone/>
           </a:pPr>
           <a:r>
-            <a:rPr lang="en-US" sz="1400" kern="1200" spc="50" baseline="0" dirty="0">
-              <a:solidFill>
-                <a:prstClr val="black">
-                  <a:hueOff val="0"/>
-                  <a:satOff val="0"/>
-                  <a:lumOff val="0"/>
-                  <a:alphaOff val="0"/>
-                </a:prstClr>
-              </a:solidFill>
+            <a:rPr lang="en-US" sz="1100" kern="1200" spc="50" baseline="0">
               <a:latin typeface="Tenorite"/>
               <a:ea typeface="+mn-ea"/>
               <a:cs typeface="+mn-cs"/>
@@ -4594,7 +4647,7 @@
           </a:r>
         </a:p>
         <a:p>
-          <a:pPr marL="0" lvl="0" indent="0" algn="l" defTabSz="666750">
+          <a:pPr marL="0" lvl="0" indent="0" algn="ctr" defTabSz="488950">
             <a:lnSpc>
               <a:spcPct val="100000"/>
             </a:lnSpc>
@@ -4607,15 +4660,7 @@
             <a:buNone/>
           </a:pPr>
           <a:r>
-            <a:rPr lang="en-US" sz="1400" kern="1200" spc="50" baseline="0" dirty="0">
-              <a:solidFill>
-                <a:prstClr val="black">
-                  <a:hueOff val="0"/>
-                  <a:satOff val="0"/>
-                  <a:lumOff val="0"/>
-                  <a:alphaOff val="0"/>
-                </a:prstClr>
-              </a:solidFill>
+            <a:rPr lang="en-US" sz="1100" kern="1200" spc="50" baseline="0">
               <a:latin typeface="Tenorite"/>
               <a:ea typeface="+mn-ea"/>
               <a:cs typeface="+mn-cs"/>
@@ -4624,7 +4669,7 @@
           </a:r>
         </a:p>
         <a:p>
-          <a:pPr marL="0" lvl="0" indent="0" algn="l" defTabSz="666750">
+          <a:pPr marL="0" lvl="0" indent="0" algn="ctr" defTabSz="488950">
             <a:lnSpc>
               <a:spcPct val="100000"/>
             </a:lnSpc>
@@ -4637,15 +4682,7 @@
             <a:buNone/>
           </a:pPr>
           <a:r>
-            <a:rPr lang="en-US" sz="1400" kern="1200" spc="50" baseline="0" dirty="0">
-              <a:solidFill>
-                <a:prstClr val="black">
-                  <a:hueOff val="0"/>
-                  <a:satOff val="0"/>
-                  <a:lumOff val="0"/>
-                  <a:alphaOff val="0"/>
-                </a:prstClr>
-              </a:solidFill>
+            <a:rPr lang="en-US" sz="1100" kern="1200" spc="50" baseline="0">
               <a:latin typeface="Tenorite"/>
               <a:ea typeface="+mn-ea"/>
               <a:cs typeface="+mn-cs"/>
@@ -4654,7 +4691,7 @@
           </a:r>
         </a:p>
         <a:p>
-          <a:pPr marL="0" lvl="0" indent="0" algn="l" defTabSz="666750">
+          <a:pPr marL="0" lvl="0" indent="0" algn="ctr" defTabSz="488950">
             <a:lnSpc>
               <a:spcPct val="100000"/>
             </a:lnSpc>
@@ -4667,15 +4704,7 @@
             <a:buNone/>
           </a:pPr>
           <a:r>
-            <a:rPr lang="en-US" sz="1400" kern="1200" spc="50" baseline="0" dirty="0">
-              <a:solidFill>
-                <a:prstClr val="black">
-                  <a:hueOff val="0"/>
-                  <a:satOff val="0"/>
-                  <a:lumOff val="0"/>
-                  <a:alphaOff val="0"/>
-                </a:prstClr>
-              </a:solidFill>
+            <a:rPr lang="en-US" sz="1100" kern="1200" spc="50" baseline="0">
               <a:latin typeface="Tenorite"/>
               <a:ea typeface="+mn-ea"/>
               <a:cs typeface="+mn-cs"/>
@@ -4685,40 +4714,40 @@
         </a:p>
       </dsp:txBody>
       <dsp:txXfrm>
-        <a:off x="4252107" y="1136775"/>
-        <a:ext cx="2011384" cy="1504865"/>
+        <a:off x="4336003" y="1991818"/>
+        <a:ext cx="1843593" cy="976735"/>
       </dsp:txXfrm>
     </dsp:sp>
-    <dsp:sp modelId="{4132ECB1-6BEF-4935-AFA3-B2EAA48FDE7E}">
+    <dsp:sp modelId="{640B7BE0-EE01-499B-A250-ECB688E7D43D}">
       <dsp:nvSpPr>
         <dsp:cNvPr id="0" name=""/>
         <dsp:cNvSpPr/>
       </dsp:nvSpPr>
       <dsp:spPr>
         <a:xfrm>
-          <a:off x="6371281" y="533359"/>
-          <a:ext cx="2011384" cy="603415"/>
+          <a:off x="7101393" y="776359"/>
+          <a:ext cx="645257" cy="645257"/>
         </a:xfrm>
         <a:prstGeom prst="rect">
           <a:avLst/>
         </a:prstGeom>
-        <a:solidFill>
-          <a:schemeClr val="accent1">
-            <a:hueOff val="0"/>
-            <a:satOff val="0"/>
-            <a:lumOff val="0"/>
-            <a:alphaOff val="0"/>
-          </a:schemeClr>
-        </a:solidFill>
+        <a:blipFill>
+          <a:blip xmlns:r="http://schemas.openxmlformats.org/officeDocument/2006/relationships" r:embed="rId7">
+            <a:extLst>
+              <a:ext uri="{28A0092B-C50C-407E-A947-70E740481C1C}">
+                <a14:useLocalDpi xmlns:a14="http://schemas.microsoft.com/office/drawing/2010/main" val="0"/>
+              </a:ext>
+              <a:ext uri="{96DAC541-7B7A-43D3-8B79-37D633B846F1}">
+                <asvg:svgBlip xmlns:asvg="http://schemas.microsoft.com/office/drawing/2016/SVG/main" r:embed="rId8"/>
+              </a:ext>
+            </a:extLst>
+          </a:blip>
+          <a:stretch>
+            <a:fillRect/>
+          </a:stretch>
+        </a:blipFill>
         <a:ln w="12700" cap="flat" cmpd="sng" algn="ctr">
-          <a:solidFill>
-            <a:schemeClr val="accent1">
-              <a:hueOff val="0"/>
-              <a:satOff val="0"/>
-              <a:lumOff val="0"/>
-              <a:alphaOff val="0"/>
-            </a:schemeClr>
-          </a:solidFill>
+          <a:noFill/>
           <a:prstDash val="solid"/>
           <a:miter lim="800000"/>
         </a:ln>
@@ -4738,15 +4767,47 @@
           <a:schemeClr val="lt1"/>
         </a:fontRef>
       </dsp:style>
+    </dsp:sp>
+    <dsp:sp modelId="{1A4BB37F-F723-416A-BED4-52518DFBEB91}">
+      <dsp:nvSpPr>
+        <dsp:cNvPr id="0" name=""/>
+        <dsp:cNvSpPr/>
+      </dsp:nvSpPr>
+      <dsp:spPr>
+        <a:xfrm>
+          <a:off x="6502225" y="1515881"/>
+          <a:ext cx="1843593" cy="432092"/>
+        </a:xfrm>
+        <a:prstGeom prst="rect">
+          <a:avLst/>
+        </a:prstGeom>
+        <a:noFill/>
+        <a:ln>
+          <a:noFill/>
+        </a:ln>
+        <a:effectLst/>
+      </dsp:spPr>
+      <dsp:style>
+        <a:lnRef idx="0">
+          <a:scrgbClr r="0" g="0" b="0"/>
+        </a:lnRef>
+        <a:fillRef idx="0">
+          <a:scrgbClr r="0" g="0" b="0"/>
+        </a:fillRef>
+        <a:effectRef idx="0">
+          <a:scrgbClr r="0" g="0" b="0"/>
+        </a:effectRef>
+        <a:fontRef idx="minor"/>
+      </dsp:style>
       <dsp:txBody>
-        <a:bodyPr spcFirstLastPara="0" vert="horz" wrap="square" lIns="158944" tIns="158944" rIns="158944" bIns="158944" numCol="1" spcCol="1270" anchor="ctr" anchorCtr="0">
+        <a:bodyPr spcFirstLastPara="0" vert="horz" wrap="square" lIns="0" tIns="0" rIns="0" bIns="0" numCol="1" spcCol="1270" anchor="t" anchorCtr="0">
           <a:noAutofit/>
         </a:bodyPr>
         <a:lstStyle/>
         <a:p>
-          <a:pPr marL="0" lvl="0" indent="0" algn="ctr" defTabSz="711200">
+          <a:pPr marL="0" lvl="0" indent="0" algn="ctr" defTabSz="622300">
             <a:lnSpc>
-              <a:spcPct val="90000"/>
+              <a:spcPct val="100000"/>
             </a:lnSpc>
             <a:spcBef>
               <a:spcPct val="0"/>
@@ -4755,12 +4816,10 @@
               <a:spcPct val="35000"/>
             </a:spcAft>
             <a:buNone/>
+            <a:defRPr b="1"/>
           </a:pPr>
           <a:r>
-            <a:rPr lang="en-US" sz="1600" kern="1200" spc="150" baseline="0" dirty="0">
-              <a:solidFill>
-                <a:prstClr val="black"/>
-              </a:solidFill>
+            <a:rPr lang="en-US" sz="1400" kern="1200" spc="150" baseline="0">
               <a:latin typeface="Tenorite"/>
               <a:ea typeface="+mn-ea"/>
               <a:cs typeface="+mn-cs"/>
@@ -4768,20 +4827,14 @@
             <a:t>Database &amp;</a:t>
           </a:r>
           <a:br>
-            <a:rPr lang="en-US" sz="1600" kern="1200" spc="150" baseline="0" dirty="0">
-              <a:solidFill>
-                <a:prstClr val="black"/>
-              </a:solidFill>
+            <a:rPr lang="en-US" sz="1400" kern="1200" spc="150" baseline="0">
               <a:latin typeface="Tenorite"/>
               <a:ea typeface="+mn-ea"/>
               <a:cs typeface="+mn-cs"/>
             </a:rPr>
           </a:br>
           <a:r>
-            <a:rPr lang="en-US" sz="1600" kern="1200" spc="150" baseline="0" dirty="0">
-              <a:solidFill>
-                <a:prstClr val="black"/>
-              </a:solidFill>
+            <a:rPr lang="en-US" sz="1400" kern="1200" spc="150" baseline="0">
               <a:latin typeface="Tenorite"/>
               <a:ea typeface="+mn-ea"/>
               <a:cs typeface="+mn-cs"/>
@@ -4791,54 +4844,34 @@
         </a:p>
       </dsp:txBody>
       <dsp:txXfrm>
-        <a:off x="6371281" y="533359"/>
-        <a:ext cx="2011384" cy="603415"/>
+        <a:off x="6502225" y="1515881"/>
+        <a:ext cx="1843593" cy="432092"/>
       </dsp:txXfrm>
     </dsp:sp>
-    <dsp:sp modelId="{C42A8BDE-B838-475D-AFDE-17B60D744AB6}">
+    <dsp:sp modelId="{CC7B441F-2EC0-49E2-8DB2-0CBCD6485990}">
       <dsp:nvSpPr>
         <dsp:cNvPr id="0" name=""/>
         <dsp:cNvSpPr/>
       </dsp:nvSpPr>
       <dsp:spPr>
         <a:xfrm>
-          <a:off x="6371281" y="1136775"/>
-          <a:ext cx="2011384" cy="1504865"/>
+          <a:off x="6502225" y="1991818"/>
+          <a:ext cx="1843593" cy="976735"/>
         </a:xfrm>
         <a:prstGeom prst="rect">
           <a:avLst/>
         </a:prstGeom>
-        <a:solidFill>
-          <a:schemeClr val="accent1">
-            <a:alpha val="90000"/>
-            <a:tint val="40000"/>
-            <a:hueOff val="0"/>
-            <a:satOff val="0"/>
-            <a:lumOff val="0"/>
-            <a:alphaOff val="0"/>
-          </a:schemeClr>
-        </a:solidFill>
-        <a:ln w="12700" cap="flat" cmpd="sng" algn="ctr">
-          <a:solidFill>
-            <a:schemeClr val="accent1">
-              <a:alpha val="90000"/>
-              <a:tint val="40000"/>
-              <a:hueOff val="0"/>
-              <a:satOff val="0"/>
-              <a:lumOff val="0"/>
-              <a:alphaOff val="0"/>
-            </a:schemeClr>
-          </a:solidFill>
-          <a:prstDash val="solid"/>
-          <a:miter lim="800000"/>
+        <a:noFill/>
+        <a:ln>
+          <a:noFill/>
         </a:ln>
         <a:effectLst/>
       </dsp:spPr>
       <dsp:style>
-        <a:lnRef idx="2">
+        <a:lnRef idx="0">
           <a:scrgbClr r="0" g="0" b="0"/>
         </a:lnRef>
-        <a:fillRef idx="1">
+        <a:fillRef idx="0">
           <a:scrgbClr r="0" g="0" b="0"/>
         </a:fillRef>
         <a:effectRef idx="0">
@@ -4847,12 +4880,12 @@
         <a:fontRef idx="minor"/>
       </dsp:style>
       <dsp:txBody>
-        <a:bodyPr spcFirstLastPara="0" vert="horz" wrap="square" lIns="198680" tIns="198680" rIns="198680" bIns="198680" numCol="1" spcCol="1270" anchor="t" anchorCtr="0">
+        <a:bodyPr spcFirstLastPara="0" vert="horz" wrap="square" lIns="0" tIns="0" rIns="0" bIns="0" numCol="1" spcCol="1270" anchor="t" anchorCtr="0">
           <a:noAutofit/>
         </a:bodyPr>
         <a:lstStyle/>
         <a:p>
-          <a:pPr marL="0" lvl="0" indent="0" algn="l" defTabSz="666750" rtl="0">
+          <a:pPr marL="0" lvl="0" indent="0" algn="ctr" defTabSz="488950">
             <a:lnSpc>
               <a:spcPct val="100000"/>
             </a:lnSpc>
@@ -4865,15 +4898,7 @@
             <a:buNone/>
           </a:pPr>
           <a:r>
-            <a:rPr lang="en-US" sz="1400" kern="1200" spc="50" baseline="0" dirty="0">
-              <a:solidFill>
-                <a:prstClr val="black">
-                  <a:hueOff val="0"/>
-                  <a:satOff val="0"/>
-                  <a:lumOff val="0"/>
-                  <a:alphaOff val="0"/>
-                </a:prstClr>
-              </a:solidFill>
+            <a:rPr lang="en-US" sz="1100" kern="1200" spc="50" baseline="0">
               <a:latin typeface="Tenorite"/>
               <a:ea typeface="+mn-ea"/>
               <a:cs typeface="+mn-cs"/>
@@ -4882,7 +4907,7 @@
           </a:r>
         </a:p>
         <a:p>
-          <a:pPr marL="0" lvl="0" indent="0" algn="l" defTabSz="666750" rtl="0">
+          <a:pPr marL="0" lvl="0" indent="0" algn="ctr" defTabSz="488950">
             <a:lnSpc>
               <a:spcPct val="100000"/>
             </a:lnSpc>
@@ -4895,15 +4920,7 @@
             <a:buNone/>
           </a:pPr>
           <a:r>
-            <a:rPr lang="en-US" sz="1400" kern="1200" spc="50" baseline="0" dirty="0">
-              <a:solidFill>
-                <a:prstClr val="black">
-                  <a:hueOff val="0"/>
-                  <a:satOff val="0"/>
-                  <a:lumOff val="0"/>
-                  <a:alphaOff val="0"/>
-                </a:prstClr>
-              </a:solidFill>
+            <a:rPr lang="en-US" sz="1100" kern="1200" spc="50" baseline="0">
               <a:latin typeface="Tenorite"/>
               <a:ea typeface="+mn-ea"/>
               <a:cs typeface="+mn-cs"/>
@@ -4912,7 +4929,7 @@
           </a:r>
         </a:p>
         <a:p>
-          <a:pPr marL="0" lvl="0" indent="0" algn="l" defTabSz="666750" rtl="0">
+          <a:pPr marL="0" lvl="0" indent="0" algn="ctr" defTabSz="488950">
             <a:lnSpc>
               <a:spcPct val="100000"/>
             </a:lnSpc>
@@ -4925,15 +4942,7 @@
             <a:buNone/>
           </a:pPr>
           <a:r>
-            <a:rPr lang="en-US" sz="1400" kern="1200" spc="50" baseline="0" dirty="0">
-              <a:solidFill>
-                <a:prstClr val="black">
-                  <a:hueOff val="0"/>
-                  <a:satOff val="0"/>
-                  <a:lumOff val="0"/>
-                  <a:alphaOff val="0"/>
-                </a:prstClr>
-              </a:solidFill>
+            <a:rPr lang="en-US" sz="1100" kern="1200" spc="50" baseline="0">
               <a:latin typeface="Tenorite"/>
               <a:ea typeface="+mn-ea"/>
               <a:cs typeface="+mn-cs"/>
@@ -4943,40 +4952,40 @@
         </a:p>
       </dsp:txBody>
       <dsp:txXfrm>
-        <a:off x="6371281" y="1136775"/>
-        <a:ext cx="2011384" cy="1504865"/>
+        <a:off x="6502225" y="1991818"/>
+        <a:ext cx="1843593" cy="976735"/>
       </dsp:txXfrm>
     </dsp:sp>
-    <dsp:sp modelId="{59606EB9-9F10-4D12-A33F-A242FDCC0D0F}">
+    <dsp:sp modelId="{56C3CB3A-B26F-45E9-9D50-940089F630A1}">
       <dsp:nvSpPr>
         <dsp:cNvPr id="0" name=""/>
         <dsp:cNvSpPr/>
       </dsp:nvSpPr>
       <dsp:spPr>
         <a:xfrm>
-          <a:off x="8490455" y="533359"/>
-          <a:ext cx="2011384" cy="603415"/>
+          <a:off x="9267616" y="776359"/>
+          <a:ext cx="645257" cy="645257"/>
         </a:xfrm>
         <a:prstGeom prst="rect">
           <a:avLst/>
         </a:prstGeom>
-        <a:solidFill>
-          <a:schemeClr val="accent1">
-            <a:hueOff val="0"/>
-            <a:satOff val="0"/>
-            <a:lumOff val="0"/>
-            <a:alphaOff val="0"/>
-          </a:schemeClr>
-        </a:solidFill>
+        <a:blipFill>
+          <a:blip xmlns:r="http://schemas.openxmlformats.org/officeDocument/2006/relationships" r:embed="rId9">
+            <a:extLst>
+              <a:ext uri="{28A0092B-C50C-407E-A947-70E740481C1C}">
+                <a14:useLocalDpi xmlns:a14="http://schemas.microsoft.com/office/drawing/2010/main" val="0"/>
+              </a:ext>
+              <a:ext uri="{96DAC541-7B7A-43D3-8B79-37D633B846F1}">
+                <asvg:svgBlip xmlns:asvg="http://schemas.microsoft.com/office/drawing/2016/SVG/main" r:embed="rId10"/>
+              </a:ext>
+            </a:extLst>
+          </a:blip>
+          <a:stretch>
+            <a:fillRect/>
+          </a:stretch>
+        </a:blipFill>
         <a:ln w="12700" cap="flat" cmpd="sng" algn="ctr">
-          <a:solidFill>
-            <a:schemeClr val="accent1">
-              <a:hueOff val="0"/>
-              <a:satOff val="0"/>
-              <a:lumOff val="0"/>
-              <a:alphaOff val="0"/>
-            </a:schemeClr>
-          </a:solidFill>
+          <a:noFill/>
           <a:prstDash val="solid"/>
           <a:miter lim="800000"/>
         </a:ln>
@@ -4996,15 +5005,47 @@
           <a:schemeClr val="lt1"/>
         </a:fontRef>
       </dsp:style>
+    </dsp:sp>
+    <dsp:sp modelId="{C854882B-5AF1-48A4-A331-248A6CD9D753}">
+      <dsp:nvSpPr>
+        <dsp:cNvPr id="0" name=""/>
+        <dsp:cNvSpPr/>
+      </dsp:nvSpPr>
+      <dsp:spPr>
+        <a:xfrm>
+          <a:off x="8668448" y="1515881"/>
+          <a:ext cx="1843593" cy="432092"/>
+        </a:xfrm>
+        <a:prstGeom prst="rect">
+          <a:avLst/>
+        </a:prstGeom>
+        <a:noFill/>
+        <a:ln>
+          <a:noFill/>
+        </a:ln>
+        <a:effectLst/>
+      </dsp:spPr>
+      <dsp:style>
+        <a:lnRef idx="0">
+          <a:scrgbClr r="0" g="0" b="0"/>
+        </a:lnRef>
+        <a:fillRef idx="0">
+          <a:scrgbClr r="0" g="0" b="0"/>
+        </a:fillRef>
+        <a:effectRef idx="0">
+          <a:scrgbClr r="0" g="0" b="0"/>
+        </a:effectRef>
+        <a:fontRef idx="minor"/>
+      </dsp:style>
       <dsp:txBody>
-        <a:bodyPr spcFirstLastPara="0" vert="horz" wrap="square" lIns="158944" tIns="158944" rIns="158944" bIns="158944" numCol="1" spcCol="1270" anchor="ctr" anchorCtr="0">
+        <a:bodyPr spcFirstLastPara="0" vert="horz" wrap="square" lIns="0" tIns="0" rIns="0" bIns="0" numCol="1" spcCol="1270" anchor="t" anchorCtr="0">
           <a:noAutofit/>
         </a:bodyPr>
         <a:lstStyle/>
         <a:p>
-          <a:pPr marL="0" lvl="0" indent="0" algn="ctr" defTabSz="889000">
+          <a:pPr marL="0" lvl="0" indent="0" algn="ctr" defTabSz="622300">
             <a:lnSpc>
-              <a:spcPct val="90000"/>
+              <a:spcPct val="100000"/>
             </a:lnSpc>
             <a:spcBef>
               <a:spcPct val="0"/>
@@ -5013,12 +5054,10 @@
               <a:spcPct val="35000"/>
             </a:spcAft>
             <a:buNone/>
+            <a:defRPr b="1"/>
           </a:pPr>
           <a:r>
-            <a:rPr lang="en-US" sz="1600" kern="1200" spc="150" baseline="0" dirty="0">
-              <a:solidFill>
-                <a:prstClr val="black"/>
-              </a:solidFill>
+            <a:rPr lang="en-US" sz="1400" kern="1200" spc="150" baseline="0">
               <a:latin typeface="Tenorite"/>
               <a:ea typeface="+mn-ea"/>
               <a:cs typeface="+mn-cs"/>
@@ -5028,54 +5067,34 @@
         </a:p>
       </dsp:txBody>
       <dsp:txXfrm>
-        <a:off x="8490455" y="533359"/>
-        <a:ext cx="2011384" cy="603415"/>
+        <a:off x="8668448" y="1515881"/>
+        <a:ext cx="1843593" cy="432092"/>
       </dsp:txXfrm>
     </dsp:sp>
-    <dsp:sp modelId="{C8429E68-36DD-4F6A-A2F4-7CCDADCEFAD1}">
+    <dsp:sp modelId="{5E7F6219-0AD5-44DB-860D-2F1792B2CEDD}">
       <dsp:nvSpPr>
         <dsp:cNvPr id="0" name=""/>
         <dsp:cNvSpPr/>
       </dsp:nvSpPr>
       <dsp:spPr>
         <a:xfrm>
-          <a:off x="8490455" y="1136775"/>
-          <a:ext cx="2011384" cy="1504865"/>
+          <a:off x="8668448" y="1991818"/>
+          <a:ext cx="1843593" cy="976735"/>
         </a:xfrm>
         <a:prstGeom prst="rect">
           <a:avLst/>
         </a:prstGeom>
-        <a:solidFill>
-          <a:schemeClr val="accent1">
-            <a:alpha val="90000"/>
-            <a:tint val="40000"/>
-            <a:hueOff val="0"/>
-            <a:satOff val="0"/>
-            <a:lumOff val="0"/>
-            <a:alphaOff val="0"/>
-          </a:schemeClr>
-        </a:solidFill>
-        <a:ln w="12700" cap="flat" cmpd="sng" algn="ctr">
-          <a:solidFill>
-            <a:schemeClr val="accent1">
-              <a:alpha val="90000"/>
-              <a:tint val="40000"/>
-              <a:hueOff val="0"/>
-              <a:satOff val="0"/>
-              <a:lumOff val="0"/>
-              <a:alphaOff val="0"/>
-            </a:schemeClr>
-          </a:solidFill>
-          <a:prstDash val="solid"/>
-          <a:miter lim="800000"/>
+        <a:noFill/>
+        <a:ln>
+          <a:noFill/>
         </a:ln>
         <a:effectLst/>
       </dsp:spPr>
       <dsp:style>
-        <a:lnRef idx="2">
+        <a:lnRef idx="0">
           <a:scrgbClr r="0" g="0" b="0"/>
         </a:lnRef>
-        <a:fillRef idx="1">
+        <a:fillRef idx="0">
           <a:scrgbClr r="0" g="0" b="0"/>
         </a:fillRef>
         <a:effectRef idx="0">
@@ -5089,7 +5108,7 @@
         </a:bodyPr>
         <a:lstStyle/>
         <a:p>
-          <a:pPr marL="0" lvl="0" indent="0" algn="l" defTabSz="666750" rtl="0">
+          <a:pPr marL="0" lvl="0" indent="0" algn="ctr" defTabSz="488950">
             <a:lnSpc>
               <a:spcPct val="100000"/>
             </a:lnSpc>
@@ -5102,15 +5121,7 @@
             <a:buNone/>
           </a:pPr>
           <a:r>
-            <a:rPr lang="en-US" sz="1400" kern="1200" spc="50" baseline="0" dirty="0">
-              <a:solidFill>
-                <a:prstClr val="black">
-                  <a:hueOff val="0"/>
-                  <a:satOff val="0"/>
-                  <a:lumOff val="0"/>
-                  <a:alphaOff val="0"/>
-                </a:prstClr>
-              </a:solidFill>
+            <a:rPr lang="en-US" sz="1100" kern="1200" spc="50" baseline="0">
               <a:latin typeface="Tenorite"/>
               <a:ea typeface="+mn-ea"/>
               <a:cs typeface="+mn-cs"/>
@@ -5119,7 +5130,7 @@
           </a:r>
         </a:p>
         <a:p>
-          <a:pPr marL="0" lvl="0" indent="0" algn="l" defTabSz="666750" rtl="0">
+          <a:pPr marL="0" lvl="0" indent="0" algn="ctr" defTabSz="488950">
             <a:lnSpc>
               <a:spcPct val="100000"/>
             </a:lnSpc>
@@ -5132,15 +5143,7 @@
             <a:buNone/>
           </a:pPr>
           <a:r>
-            <a:rPr lang="en-US" sz="1400" kern="1200" spc="50" baseline="0" dirty="0">
-              <a:solidFill>
-                <a:prstClr val="black">
-                  <a:hueOff val="0"/>
-                  <a:satOff val="0"/>
-                  <a:lumOff val="0"/>
-                  <a:alphaOff val="0"/>
-                </a:prstClr>
-              </a:solidFill>
+            <a:rPr lang="en-US" sz="1100" kern="1200" spc="50" baseline="0">
               <a:latin typeface="Tenorite"/>
               <a:ea typeface="+mn-ea"/>
               <a:cs typeface="+mn-cs"/>
@@ -5150,8 +5153,8 @@
         </a:p>
       </dsp:txBody>
       <dsp:txXfrm>
-        <a:off x="8490455" y="1136775"/>
-        <a:ext cx="2011384" cy="1504865"/>
+        <a:off x="8668448" y="1991818"/>
+        <a:ext cx="1843593" cy="976735"/>
       </dsp:txXfrm>
     </dsp:sp>
   </dsp:spTree>
@@ -6113,11 +6116,11 @@
 </file>
 
 <file path=ppt/diagrams/layout1.xml><?xml version="1.0" encoding="utf-8"?>
-<dgm:layoutDef xmlns:dgm="http://schemas.openxmlformats.org/drawingml/2006/diagram" xmlns:a="http://schemas.openxmlformats.org/drawingml/2006/main" uniqueId="urn:microsoft.com/office/officeart/2016/7/layout/HorizontalActionList">
-  <dgm:title val="Horizontal Action List"/>
-  <dgm:desc val="Used to show non-sequential or grouped lists of information. Works well with large amounts of text. All text has the same level of emphasis, and direction is not implied."/>
+<dgm:layoutDef xmlns:dgm="http://schemas.openxmlformats.org/drawingml/2006/diagram" xmlns:a="http://schemas.openxmlformats.org/drawingml/2006/main" uniqueId="urn:microsoft.com/office/officeart/2018/5/layout/CenteredIconLabelDescriptionList">
+  <dgm:title val="Centered Icon Label Description List"/>
+  <dgm:desc val="Use to show non-sequential or grouped chunks of information. The placeholder holds an icon or small picture, and corresponding text boxes show Level 1 and Level 2 text respectively. Works well for minimal Level 1 text accompanied by lengthier Level two text."/>
   <dgm:catLst>
-    <dgm:cat type="list" pri="500"/>
+    <dgm:cat type="icon" pri="500"/>
   </dgm:catLst>
   <dgm:sampData useDef="1">
     <dgm:dataModel>
@@ -6126,51 +6129,30 @@
       <dgm:whole/>
     </dgm:dataModel>
   </dgm:sampData>
-  <dgm:styleData>
+  <dgm:styleData useDef="1">
     <dgm:dataModel>
-      <dgm:ptLst>
-        <dgm:pt modelId="0" type="doc"/>
-        <dgm:pt modelId="1"/>
-        <dgm:pt modelId="2"/>
-      </dgm:ptLst>
-      <dgm:cxnLst>
-        <dgm:cxn modelId="3" srcId="0" destId="1" srcOrd="0" destOrd="0"/>
-        <dgm:cxn modelId="4" srcId="0" destId="2" srcOrd="1" destOrd="0"/>
-      </dgm:cxnLst>
+      <dgm:ptLst/>
       <dgm:bg/>
       <dgm:whole/>
     </dgm:dataModel>
   </dgm:styleData>
-  <dgm:clrData>
+  <dgm:clrData useDef="1">
     <dgm:dataModel>
-      <dgm:ptLst>
-        <dgm:pt modelId="0" type="doc"/>
-        <dgm:pt modelId="1"/>
-        <dgm:pt modelId="2"/>
-        <dgm:pt modelId="3"/>
-        <dgm:pt modelId="4"/>
-      </dgm:ptLst>
-      <dgm:cxnLst>
-        <dgm:cxn modelId="5" srcId="0" destId="1" srcOrd="0" destOrd="0"/>
-        <dgm:cxn modelId="6" srcId="0" destId="2" srcOrd="1" destOrd="0"/>
-        <dgm:cxn modelId="7" srcId="0" destId="3" srcOrd="2" destOrd="0"/>
-        <dgm:cxn modelId="8" srcId="0" destId="4" srcOrd="3" destOrd="0"/>
-      </dgm:cxnLst>
+      <dgm:ptLst/>
       <dgm:bg/>
       <dgm:whole/>
     </dgm:dataModel>
   </dgm:clrData>
-  <dgm:layoutNode name="Name0">
+  <dgm:layoutNode name="root">
     <dgm:varLst>
       <dgm:dir/>
-      <dgm:animLvl val="lvl"/>
       <dgm:resizeHandles val="exact"/>
     </dgm:varLst>
-    <dgm:choose name="Name1">
-      <dgm:if name="Name2" func="var" arg="dir" op="equ" val="norm">
+    <dgm:choose name="Name0">
+      <dgm:if name="Name1" axis="self" func="var" arg="dir" op="equ" val="norm">
         <dgm:alg type="lin"/>
       </dgm:if>
-      <dgm:else name="Name3">
+      <dgm:else name="Name2">
         <dgm:alg type="lin">
           <dgm:param type="linDir" val="fromR"/>
         </dgm:alg>
@@ -6181,90 +6163,63 @@
     </dgm:shape>
     <dgm:presOf/>
     <dgm:constrLst>
-      <dgm:constr type="h" for="ch" forName="composite" refType="h" fact="0.6"/>
-      <dgm:constr type="h" for="des" forName="composite" op="equ"/>
-      <dgm:constr type="w" for="ch" forName="composite" refType="w"/>
-      <dgm:constr type="w" for="des" forName="parTx"/>
+      <dgm:constr type="h" for="ch" forName="compNode" refType="h" fact="0.45"/>
+      <dgm:constr type="w" for="ch" forName="compNode" val="120"/>
+      <dgm:constr type="w" for="ch" forName="sibTrans" refType="w" refFor="ch" refForName="compNode" fact="0.175"/>
+      <dgm:constr type="primFontSz" for="des" forName="parTx" val="36"/>
+      <dgm:constr type="primFontSz" for="des" forName="desTx" refType="primFontSz" refFor="des" refForName="parTx" op="lte" fact="0.75"/>
+      <dgm:constr type="h" for="des" forName="compNode" op="equ"/>
+      <dgm:constr type="h" for="des" forName="iconRect" op="equ"/>
+      <dgm:constr type="w" for="des" forName="iconRect" op="equ"/>
+      <dgm:constr type="h" for="des" forName="iconSpace" op="equ"/>
       <dgm:constr type="h" for="des" forName="parTx" op="equ"/>
-      <dgm:constr type="w" for="des" forName="desTx"/>
-      <dgm:constr type="primFontSz" for="des" forName="parTx" val="54"/>
-      <dgm:constr type="primFontSz" for="des" forName="desTx" refType="primFontSz" refFor="des" refForName="parTx" op="lte" fact="0.75"/>
+      <dgm:constr type="h" for="des" forName="txSpace" op="equ"/>
       <dgm:constr type="h" for="des" forName="desTx" op="equ"/>
-      <dgm:constr type="w" for="ch" forName="space" op="equ" val="3"/>
     </dgm:constrLst>
     <dgm:ruleLst>
-      <dgm:rule type="w" for="ch" forName="composite" val="0" fact="NaN" max="NaN"/>
+      <dgm:rule type="w" for="ch" forName="compNode" val="0" fact="NaN" max="NaN"/>
     </dgm:ruleLst>
-    <dgm:forEach name="Name6" axis="ch" ptType="node">
-      <dgm:layoutNode name="composite">
+    <dgm:forEach name="Name3" axis="ch" ptType="node">
+      <dgm:layoutNode name="compNode">
         <dgm:alg type="composite"/>
         <dgm:shape xmlns:r="http://schemas.openxmlformats.org/officeDocument/2006/relationships" r:blip="">
           <dgm:adjLst/>
         </dgm:shape>
-        <dgm:presOf/>
+        <dgm:presOf axis="self"/>
         <dgm:constrLst>
+          <dgm:constr type="w" for="ch" forName="iconRect" refType="w" fact="0.35"/>
+          <dgm:constr type="h" for="ch" forName="iconRect" refType="w" refFor="ch" refForName="iconRect"/>
+          <dgm:constr type="ctrX" for="ch" forName="iconRect" refType="w" fact="0.5"/>
+          <dgm:constr type="t" for="ch" forName="iconRect"/>
+          <dgm:constr type="w" for="ch" forName="iconSpace" refType="w"/>
+          <dgm:constr type="h" for="ch" forName="iconSpace" refType="h" fact="0.043"/>
+          <dgm:constr type="l" for="ch" forName="iconSpace"/>
+          <dgm:constr type="t" for="ch" forName="iconSpace" refType="b" refFor="ch" refForName="iconRect"/>
+          <dgm:constr type="w" for="ch" forName="parTx" refType="w"/>
+          <dgm:constr type="h" for="ch" forName="parTx" refType="w" fact="0.15"/>
           <dgm:constr type="l" for="ch" forName="parTx"/>
-          <dgm:constr type="w" for="ch" forName="parTx" refType="w"/>
-          <dgm:constr type="t" for="ch" forName="parTx"/>
+          <dgm:constr type="t" for="ch" forName="parTx" refType="b" refFor="ch" refForName="iconSpace"/>
+          <dgm:constr type="h" for="ch" forName="txSpace" refType="h" fact="0.02"/>
+          <dgm:constr type="w" for="ch" forName="txSpace" refType="w"/>
+          <dgm:constr type="l" for="ch" forName="txSpace"/>
+          <dgm:constr type="t" for="ch" forName="txSpace" refType="b" refFor="ch" refForName="parTx"/>
+          <dgm:constr type="w" for="ch" forName="desTx" refType="w"/>
           <dgm:constr type="l" for="ch" forName="desTx"/>
-          <dgm:constr type="w" for="ch" forName="desTx" refType="w" refFor="ch" refForName="parTx"/>
-          <dgm:constr type="t" for="ch" forName="desTx" refType="h" refFor="ch" refForName="parTx"/>
+          <dgm:constr type="t" for="ch" forName="desTx" refType="b" refFor="ch" refForName="txSpace"/>
         </dgm:constrLst>
         <dgm:ruleLst>
           <dgm:rule type="h" val="INF" fact="NaN" max="NaN"/>
         </dgm:ruleLst>
-        <dgm:layoutNode name="parTx" styleLbl="alignNode1">
-          <dgm:varLst>
-            <dgm:chMax val="0"/>
-            <dgm:chPref val="0"/>
-          </dgm:varLst>
-          <dgm:alg type="tx"/>
-          <dgm:shape xmlns:r="http://schemas.openxmlformats.org/officeDocument/2006/relationships" type="rect" r:blip="">
+        <dgm:layoutNode name="iconRect" styleLbl="node1">
+          <dgm:alg type="sp"/>
+          <dgm:shape xmlns:r="http://schemas.openxmlformats.org/officeDocument/2006/relationships" type="rect" r:blip="" blipPhldr="1">
             <dgm:adjLst/>
           </dgm:shape>
-          <dgm:presOf axis="self" ptType="node"/>
-          <dgm:constrLst>
-            <dgm:constr type="h" refType="w" op="lte" fact="0.3"/>
-            <dgm:constr type="h"/>
-            <dgm:constr type="tMarg" refType="w" fact="0.224"/>
-            <dgm:constr type="bMarg" refType="w" fact="0.224"/>
-            <dgm:constr type="lMarg" refType="w" fact="0.224"/>
-            <dgm:constr type="rMarg" refType="w" fact="0.224"/>
-          </dgm:constrLst>
-          <dgm:ruleLst>
-            <dgm:rule type="h" val="INF" fact="NaN" max="NaN"/>
-            <dgm:rule type="primFontSz" val="14" fact="NaN" max="NaN"/>
-          </dgm:ruleLst>
+          <dgm:presOf/>
+          <dgm:constrLst/>
+          <dgm:ruleLst/>
         </dgm:layoutNode>
-        <dgm:layoutNode name="desTx" styleLbl="alignAccFollowNode1">
-          <dgm:varLst/>
-          <dgm:alg type="tx">
-            <dgm:param type="stBulletLvl" val="0"/>
-            <dgm:param type="txAnchorVert" val="t"/>
-            <dgm:param type="parTxLTRAlign" val="l"/>
-            <dgm:param type="shpTxLTRAlignCh" val="l"/>
-            <dgm:param type="parTxRTLAlign" val="r"/>
-            <dgm:param type="shpTxRTLAlignCh" val="r"/>
-          </dgm:alg>
-          <dgm:shape xmlns:r="http://schemas.openxmlformats.org/officeDocument/2006/relationships" type="rect" r:blip="">
-            <dgm:adjLst/>
-          </dgm:shape>
-          <dgm:presOf axis="des" ptType="node"/>
-          <dgm:constrLst>
-            <dgm:constr type="primFontSz" val="28"/>
-            <dgm:constr type="tMarg" refType="w" fact="0.28"/>
-            <dgm:constr type="bMarg" refType="w" fact="0.28"/>
-            <dgm:constr type="lMarg" refType="w" fact="0.28"/>
-            <dgm:constr type="rMarg" refType="w" fact="0.28"/>
-          </dgm:constrLst>
-          <dgm:ruleLst>
-            <dgm:rule type="h" val="INF" fact="NaN" max="NaN"/>
-            <dgm:rule type="primFontSz" val="11" fact="NaN" max="NaN"/>
-          </dgm:ruleLst>
-        </dgm:layoutNode>
-      </dgm:layoutNode>
-      <dgm:forEach name="Name19" axis="followSib" ptType="sibTrans" cnt="1">
-        <dgm:layoutNode name="space">
+        <dgm:layoutNode name="iconSpace">
           <dgm:alg type="sp"/>
           <dgm:shape xmlns:r="http://schemas.openxmlformats.org/officeDocument/2006/relationships" r:blip="">
             <dgm:adjLst/>
@@ -6273,9 +6228,91 @@
           <dgm:constrLst/>
           <dgm:ruleLst/>
         </dgm:layoutNode>
+        <dgm:layoutNode name="parTx" styleLbl="revTx">
+          <dgm:varLst>
+            <dgm:chMax val="0"/>
+            <dgm:chPref val="0"/>
+          </dgm:varLst>
+          <dgm:alg type="tx">
+            <dgm:param type="txAnchorVert" val="t"/>
+          </dgm:alg>
+          <dgm:shape xmlns:r="http://schemas.openxmlformats.org/officeDocument/2006/relationships" type="rect" r:blip="">
+            <dgm:adjLst/>
+          </dgm:shape>
+          <dgm:presOf axis="self" ptType="node"/>
+          <dgm:constrLst>
+            <dgm:constr type="lMarg"/>
+            <dgm:constr type="rMarg"/>
+            <dgm:constr type="tMarg"/>
+            <dgm:constr type="bMarg"/>
+          </dgm:constrLst>
+          <dgm:ruleLst>
+            <dgm:rule type="primFontSz" val="14" fact="NaN" max="NaN"/>
+            <dgm:rule type="h" val="INF" fact="NaN" max="NaN"/>
+          </dgm:ruleLst>
+        </dgm:layoutNode>
+        <dgm:layoutNode name="txSpace">
+          <dgm:alg type="sp"/>
+          <dgm:shape xmlns:r="http://schemas.openxmlformats.org/officeDocument/2006/relationships" r:blip="">
+            <dgm:adjLst/>
+          </dgm:shape>
+          <dgm:presOf/>
+          <dgm:constrLst/>
+          <dgm:ruleLst/>
+        </dgm:layoutNode>
+        <dgm:layoutNode name="desTx" styleLbl="revTx">
+          <dgm:varLst/>
+          <dgm:alg type="tx">
+            <dgm:param type="stBulletLvl" val="0"/>
+            <dgm:param type="txAnchorVert" val="t"/>
+          </dgm:alg>
+          <dgm:shape xmlns:r="http://schemas.openxmlformats.org/officeDocument/2006/relationships" type="rect" r:blip="">
+            <dgm:adjLst/>
+          </dgm:shape>
+          <dgm:presOf axis="des" ptType="node"/>
+          <dgm:constrLst>
+            <dgm:constr type="secFontSz" refType="primFontSz"/>
+            <dgm:constr type="lMarg"/>
+            <dgm:constr type="rMarg"/>
+            <dgm:constr type="tMarg"/>
+            <dgm:constr type="bMarg"/>
+          </dgm:constrLst>
+          <dgm:ruleLst>
+            <dgm:rule type="primFontSz" val="NaN" fact="NaN" max="17"/>
+            <dgm:rule type="h" val="INF" fact="NaN" max="NaN"/>
+          </dgm:ruleLst>
+        </dgm:layoutNode>
+      </dgm:layoutNode>
+      <dgm:forEach name="Name4" axis="followSib" ptType="sibTrans" cnt="1">
+        <dgm:layoutNode name="sibTrans">
+          <dgm:alg type="sp"/>
+          <dgm:shape xmlns:r="http://schemas.openxmlformats.org/officeDocument/2006/relationships" r:blip="">
+            <dgm:adjLst/>
+          </dgm:shape>
+          <dgm:presOf axis="self"/>
+          <dgm:constrLst/>
+          <dgm:ruleLst/>
+        </dgm:layoutNode>
       </dgm:forEach>
     </dgm:forEach>
   </dgm:layoutNode>
+  <dgm:extLst>
+    <a:ext uri="{68A01E43-0DF5-4B5B-8FA6-DAF915123BFB}">
+      <dgm1612:lstStyle xmlns:dgm1612="http://schemas.microsoft.com/office/drawing/2016/12/diagram">
+        <a:lvl1pPr>
+          <a:lnSpc>
+            <a:spcPct val="100000"/>
+          </a:lnSpc>
+          <a:defRPr b="1"/>
+        </a:lvl1pPr>
+        <a:lvl2pPr>
+          <a:lnSpc>
+            <a:spcPct val="100000"/>
+          </a:lnSpc>
+        </a:lvl2pPr>
+      </dgm1612:lstStyle>
+    </a:ext>
+  </dgm:extLst>
 </dgm:layoutDef>
 </file>
 
@@ -19809,7 +19846,9 @@
           </a:xfrm>
         </p:spPr>
         <p:txBody>
-          <a:bodyPr/>
+          <a:bodyPr anchor="ctr">
+            <a:normAutofit/>
+          </a:bodyPr>
           <a:lstStyle/>
           <a:p>
             <a:r>
@@ -19819,37 +19858,6 @@
           </a:p>
         </p:txBody>
       </p:sp>
-      <p:graphicFrame>
-        <p:nvGraphicFramePr>
-          <p:cNvPr id="33" name="Content Placeholder 3" descr="Timeline Placeholder ">
-            <a:extLst>
-              <a:ext uri="{FF2B5EF4-FFF2-40B4-BE49-F238E27FC236}">
-                <a16:creationId xmlns:a16="http://schemas.microsoft.com/office/drawing/2014/main" id="{7BC1F95D-CCD2-421B-B06B-706699FAAD5D}"/>
-              </a:ext>
-            </a:extLst>
-          </p:cNvPr>
-          <p:cNvGraphicFramePr>
-            <a:graphicFrameLocks noGrp="1"/>
-          </p:cNvGraphicFramePr>
-          <p:nvPr>
-            <p:ph type="dgm" sz="quarter" idx="15"/>
-            <p:extLst>
-              <p:ext uri="{D42A27DB-BD31-4B8C-83A1-F6EECF244321}">
-                <p14:modId xmlns:p14="http://schemas.microsoft.com/office/powerpoint/2010/main" val="4212817103"/>
-              </p:ext>
-            </p:extLst>
-          </p:nvPr>
-        </p:nvGraphicFramePr>
-        <p:xfrm>
-          <a:off x="778933" y="1422400"/>
-          <a:ext cx="10515600" cy="3175000"/>
-        </p:xfrm>
-        <a:graphic>
-          <a:graphicData uri="http://schemas.openxmlformats.org/drawingml/2006/diagram">
-            <dgm:relIds xmlns:dgm="http://schemas.openxmlformats.org/drawingml/2006/diagram" xmlns:r="http://schemas.openxmlformats.org/officeDocument/2006/relationships" r:dm="rId2" r:lo="rId3" r:qs="rId4" r:cs="rId5"/>
-          </a:graphicData>
-        </a:graphic>
-      </p:graphicFrame>
       <p:sp>
         <p:nvSpPr>
           <p:cNvPr id="6" name="Date Placeholder 5">
@@ -19873,13 +19881,21 @@
           </a:xfrm>
         </p:spPr>
         <p:txBody>
-          <a:bodyPr/>
+          <a:bodyPr anchor="ctr">
+            <a:normAutofit/>
+          </a:bodyPr>
           <a:lstStyle/>
           <a:p>
+            <a:pPr>
+              <a:spcAft>
+                <a:spcPts val="600"/>
+              </a:spcAft>
+            </a:pPr>
             <a:r>
               <a:rPr lang="en-US" dirty="0"/>
               <a:t>2023</a:t>
             </a:r>
+            <a:endParaRPr lang="en-US"/>
           </a:p>
         </p:txBody>
       </p:sp>
@@ -19906,13 +19922,21 @@
           </a:xfrm>
         </p:spPr>
         <p:txBody>
-          <a:bodyPr/>
+          <a:bodyPr anchor="ctr">
+            <a:normAutofit/>
+          </a:bodyPr>
           <a:lstStyle/>
           <a:p>
+            <a:pPr>
+              <a:spcAft>
+                <a:spcPts val="600"/>
+              </a:spcAft>
+            </a:pPr>
             <a:r>
               <a:rPr lang="en-US" dirty="0"/>
               <a:t>Job Executor APP</a:t>
             </a:r>
+            <a:endParaRPr lang="en-US"/>
           </a:p>
         </p:txBody>
       </p:sp>
@@ -19939,15 +19963,99 @@
           </a:xfrm>
         </p:spPr>
         <p:txBody>
-          <a:bodyPr/>
+          <a:bodyPr anchor="ctr">
+            <a:normAutofit/>
+          </a:bodyPr>
           <a:lstStyle/>
           <a:p>
+            <a:pPr>
+              <a:spcAft>
+                <a:spcPts val="600"/>
+              </a:spcAft>
+            </a:pPr>
             <a:fld id="{A49DFD55-3C28-40EF-9E31-A92D2E4017FF}" type="slidenum">
               <a:rPr lang="en-US" smtClean="0"/>
-              <a:pPr/>
+              <a:pPr>
+                <a:spcAft>
+                  <a:spcPts val="600"/>
+                </a:spcAft>
+              </a:pPr>
               <a:t>4</a:t>
             </a:fld>
-            <a:endParaRPr lang="en-US" dirty="0"/>
+            <a:endParaRPr lang="en-US"/>
+          </a:p>
+        </p:txBody>
+      </p:sp>
+      <p:graphicFrame>
+        <p:nvGraphicFramePr>
+          <p:cNvPr id="33" name="Content Placeholder 3" descr="Timeline Placeholder ">
+            <a:extLst>
+              <a:ext uri="{FF2B5EF4-FFF2-40B4-BE49-F238E27FC236}">
+                <a16:creationId xmlns:a16="http://schemas.microsoft.com/office/drawing/2014/main" id="{7BC1F95D-CCD2-421B-B06B-706699FAAD5D}"/>
+              </a:ext>
+            </a:extLst>
+          </p:cNvPr>
+          <p:cNvGraphicFramePr>
+            <a:graphicFrameLocks noGrp="1"/>
+          </p:cNvGraphicFramePr>
+          <p:nvPr>
+            <p:ph type="tbl" sz="quarter" idx="14"/>
+            <p:extLst>
+              <p:ext uri="{D42A27DB-BD31-4B8C-83A1-F6EECF244321}">
+                <p14:modId xmlns:p14="http://schemas.microsoft.com/office/powerpoint/2010/main" val="3968937117"/>
+              </p:ext>
+            </p:extLst>
+          </p:nvPr>
+        </p:nvGraphicFramePr>
+        <p:xfrm>
+          <a:off x="838200" y="1690688"/>
+          <a:ext cx="10515600" cy="3744913"/>
+        </p:xfrm>
+        <a:graphic>
+          <a:graphicData uri="http://schemas.openxmlformats.org/drawingml/2006/diagram">
+            <dgm:relIds xmlns:dgm="http://schemas.openxmlformats.org/drawingml/2006/diagram" xmlns:r="http://schemas.openxmlformats.org/officeDocument/2006/relationships" r:dm="rId2" r:lo="rId3" r:qs="rId4" r:cs="rId5"/>
+          </a:graphicData>
+        </a:graphic>
+      </p:graphicFrame>
+      <p:sp>
+        <p:nvSpPr>
+          <p:cNvPr id="5" name="TextBox 4">
+            <a:extLst>
+              <a:ext uri="{FF2B5EF4-FFF2-40B4-BE49-F238E27FC236}">
+                <a16:creationId xmlns:a16="http://schemas.microsoft.com/office/drawing/2014/main" id="{A248B351-BC73-0BFA-D0CE-0275CA696D4E}"/>
+              </a:ext>
+            </a:extLst>
+          </p:cNvPr>
+          <p:cNvSpPr txBox="1"/>
+          <p:nvPr/>
+        </p:nvSpPr>
+        <p:spPr>
+          <a:xfrm>
+            <a:off x="2980265" y="4899819"/>
+            <a:ext cx="9541933" cy="369332"/>
+          </a:xfrm>
+          <a:prstGeom prst="rect">
+            <a:avLst/>
+          </a:prstGeom>
+          <a:noFill/>
+        </p:spPr>
+        <p:txBody>
+          <a:bodyPr wrap="square">
+            <a:spAutoFit/>
+          </a:bodyPr>
+          <a:lstStyle/>
+          <a:p>
+            <a:r>
+              <a:rPr lang="en-IN" dirty="0"/>
+              <a:t>GitHub URL: </a:t>
+            </a:r>
+            <a:r>
+              <a:rPr lang="en-IN" dirty="0">
+                <a:hlinkClick r:id="rId7"/>
+              </a:rPr>
+              <a:t>https://github.com/SyedSamsu/Job_Executor.git</a:t>
+            </a:r>
+            <a:endParaRPr lang="en-IN" dirty="0"/>
           </a:p>
         </p:txBody>
       </p:sp>
@@ -20900,8 +21008,8 @@
         </p:nvSpPr>
         <p:spPr>
           <a:xfrm>
-            <a:off x="4267200" y="3238103"/>
-            <a:ext cx="4179570" cy="1371997"/>
+            <a:off x="3987800" y="3238103"/>
+            <a:ext cx="4953000" cy="2045097"/>
           </a:xfrm>
         </p:spPr>
         <p:txBody>
@@ -20919,16 +21027,32 @@
           <a:p>
             <a:pPr algn="ctr"/>
             <a:r>
-              <a:rPr lang="en-US" dirty="0"/>
+              <a:rPr lang="en-US" dirty="0">
+                <a:hlinkClick r:id="rId2"/>
+              </a:rPr>
               <a:t>syedsamsu1111@gmail.com</a:t>
             </a:r>
+            <a:endParaRPr lang="en-US" dirty="0"/>
           </a:p>
           <a:p>
             <a:pPr algn="ctr"/>
             <a:r>
-              <a:rPr lang="en-US" dirty="0"/>
+              <a:rPr lang="en-US" dirty="0">
+                <a:hlinkClick r:id="rId3"/>
+              </a:rPr>
               <a:t>https://syedsamsudeen.netlify.app/</a:t>
             </a:r>
+            <a:endParaRPr lang="en-US" dirty="0"/>
+          </a:p>
+          <a:p>
+            <a:pPr algn="ctr"/>
+            <a:r>
+              <a:rPr lang="en-US" dirty="0">
+                <a:hlinkClick r:id="rId4"/>
+              </a:rPr>
+              <a:t>https://www.linkedin.com/in/syedsamsu245/</a:t>
+            </a:r>
+            <a:endParaRPr lang="en-US" dirty="0"/>
           </a:p>
         </p:txBody>
       </p:sp>
@@ -21838,12 +21962,22 @@
 </file>
 
 <file path=customXml/item1.xml><?xml version="1.0" encoding="utf-8"?>
-<?mso-contentType ?>
-<FormTemplates xmlns="http://schemas.microsoft.com/sharepoint/v3/contenttype/forms">
-  <Display>DocumentLibraryForm</Display>
-  <Edit>DocumentLibraryForm</Edit>
-  <New>DocumentLibraryForm</New>
-</FormTemplates>
+<p:properties xmlns:p="http://schemas.microsoft.com/office/2006/metadata/properties" xmlns:xsi="http://www.w3.org/2001/XMLSchema-instance" xmlns:pc="http://schemas.microsoft.com/office/infopath/2007/PartnerControls">
+  <documentManagement>
+    <_ip_UnifiedCompliancePolicyUIAction xmlns="http://schemas.microsoft.com/sharepoint/v3" xsi:nil="true"/>
+    <Image xmlns="71af3243-3dd4-4a8d-8c0d-dd76da1f02a5">
+      <Url xsi:nil="true"/>
+      <Description xsi:nil="true"/>
+    </Image>
+    <Status xmlns="71af3243-3dd4-4a8d-8c0d-dd76da1f02a5">Not started</Status>
+    <_ip_UnifiedCompliancePolicyProperties xmlns="http://schemas.microsoft.com/sharepoint/v3" xsi:nil="true"/>
+    <ImageTagsTaxHTField xmlns="71af3243-3dd4-4a8d-8c0d-dd76da1f02a5">
+      <Terms xmlns="http://schemas.microsoft.com/office/infopath/2007/PartnerControls"/>
+    </ImageTagsTaxHTField>
+    <TaxCatchAll xmlns="230e9df3-be65-4c73-a93b-d1236ebd677e"/>
+    <MediaServiceKeyPoints xmlns="71af3243-3dd4-4a8d-8c0d-dd76da1f02a5" xsi:nil="true"/>
+  </documentManagement>
+</p:properties>
 </file>
 
 <file path=customXml/item2.xml><?xml version="1.0" encoding="utf-8"?>
@@ -22123,28 +22257,22 @@
 </file>
 
 <file path=customXml/item3.xml><?xml version="1.0" encoding="utf-8"?>
-<p:properties xmlns:p="http://schemas.microsoft.com/office/2006/metadata/properties" xmlns:xsi="http://www.w3.org/2001/XMLSchema-instance" xmlns:pc="http://schemas.microsoft.com/office/infopath/2007/PartnerControls">
-  <documentManagement>
-    <_ip_UnifiedCompliancePolicyUIAction xmlns="http://schemas.microsoft.com/sharepoint/v3" xsi:nil="true"/>
-    <Image xmlns="71af3243-3dd4-4a8d-8c0d-dd76da1f02a5">
-      <Url xsi:nil="true"/>
-      <Description xsi:nil="true"/>
-    </Image>
-    <Status xmlns="71af3243-3dd4-4a8d-8c0d-dd76da1f02a5">Not started</Status>
-    <_ip_UnifiedCompliancePolicyProperties xmlns="http://schemas.microsoft.com/sharepoint/v3" xsi:nil="true"/>
-    <ImageTagsTaxHTField xmlns="71af3243-3dd4-4a8d-8c0d-dd76da1f02a5">
-      <Terms xmlns="http://schemas.microsoft.com/office/infopath/2007/PartnerControls"/>
-    </ImageTagsTaxHTField>
-    <TaxCatchAll xmlns="230e9df3-be65-4c73-a93b-d1236ebd677e"/>
-    <MediaServiceKeyPoints xmlns="71af3243-3dd4-4a8d-8c0d-dd76da1f02a5" xsi:nil="true"/>
-  </documentManagement>
-</p:properties>
+<?mso-contentType ?>
+<FormTemplates xmlns="http://schemas.microsoft.com/sharepoint/v3/contenttype/forms">
+  <Display>DocumentLibraryForm</Display>
+  <Edit>DocumentLibraryForm</Edit>
+  <New>DocumentLibraryForm</New>
+</FormTemplates>
 </file>
 
 <file path=customXml/itemProps1.xml><?xml version="1.0" encoding="utf-8"?>
-<ds:datastoreItem xmlns:ds="http://schemas.openxmlformats.org/officeDocument/2006/customXml" ds:itemID="{0FD6FE22-81A0-4500-AFD0-342D21BB9A2C}">
+<ds:datastoreItem xmlns:ds="http://schemas.openxmlformats.org/officeDocument/2006/customXml" ds:itemID="{29C43685-694E-4579-B109-3C418D49DA65}">
   <ds:schemaRefs>
-    <ds:schemaRef ds:uri="http://schemas.microsoft.com/sharepoint/v3/contenttype/forms"/>
+    <ds:schemaRef ds:uri="http://schemas.microsoft.com/office/2006/metadata/properties"/>
+    <ds:schemaRef ds:uri="http://schemas.microsoft.com/office/infopath/2007/PartnerControls"/>
+    <ds:schemaRef ds:uri="http://schemas.microsoft.com/sharepoint/v3"/>
+    <ds:schemaRef ds:uri="71af3243-3dd4-4a8d-8c0d-dd76da1f02a5"/>
+    <ds:schemaRef ds:uri="230e9df3-be65-4c73-a93b-d1236ebd677e"/>
   </ds:schemaRefs>
 </ds:datastoreItem>
 </file>
@@ -22171,13 +22299,9 @@
 </file>
 
 <file path=customXml/itemProps3.xml><?xml version="1.0" encoding="utf-8"?>
-<ds:datastoreItem xmlns:ds="http://schemas.openxmlformats.org/officeDocument/2006/customXml" ds:itemID="{29C43685-694E-4579-B109-3C418D49DA65}">
+<ds:datastoreItem xmlns:ds="http://schemas.openxmlformats.org/officeDocument/2006/customXml" ds:itemID="{0FD6FE22-81A0-4500-AFD0-342D21BB9A2C}">
   <ds:schemaRefs>
-    <ds:schemaRef ds:uri="http://schemas.microsoft.com/office/2006/metadata/properties"/>
-    <ds:schemaRef ds:uri="http://schemas.microsoft.com/office/infopath/2007/PartnerControls"/>
-    <ds:schemaRef ds:uri="http://schemas.microsoft.com/sharepoint/v3"/>
-    <ds:schemaRef ds:uri="71af3243-3dd4-4a8d-8c0d-dd76da1f02a5"/>
-    <ds:schemaRef ds:uri="230e9df3-be65-4c73-a93b-d1236ebd677e"/>
+    <ds:schemaRef ds:uri="http://schemas.microsoft.com/sharepoint/v3/contenttype/forms"/>
   </ds:schemaRefs>
 </ds:datastoreItem>
 </file>
